--- a/Revue/Revue1.pptx
+++ b/Revue/Revue1.pptx
@@ -6,24 +6,26 @@
   </p:sldMasterIdLst>
   <p:sldIdLst>
     <p:sldId id="256" r:id="rId2"/>
-    <p:sldId id="258" r:id="rId3"/>
-    <p:sldId id="259" r:id="rId4"/>
-    <p:sldId id="260" r:id="rId5"/>
-    <p:sldId id="261" r:id="rId6"/>
-    <p:sldId id="262" r:id="rId7"/>
-    <p:sldId id="263" r:id="rId8"/>
-    <p:sldId id="273" r:id="rId9"/>
-    <p:sldId id="274" r:id="rId10"/>
-    <p:sldId id="269" r:id="rId11"/>
-    <p:sldId id="271" r:id="rId12"/>
-    <p:sldId id="270" r:id="rId13"/>
-    <p:sldId id="272" r:id="rId14"/>
-    <p:sldId id="264" r:id="rId15"/>
-    <p:sldId id="265" r:id="rId16"/>
-    <p:sldId id="266" r:id="rId17"/>
-    <p:sldId id="267" r:id="rId18"/>
-    <p:sldId id="268" r:id="rId19"/>
-    <p:sldId id="257" r:id="rId20"/>
+    <p:sldId id="276" r:id="rId3"/>
+    <p:sldId id="258" r:id="rId4"/>
+    <p:sldId id="259" r:id="rId5"/>
+    <p:sldId id="260" r:id="rId6"/>
+    <p:sldId id="261" r:id="rId7"/>
+    <p:sldId id="262" r:id="rId8"/>
+    <p:sldId id="263" r:id="rId9"/>
+    <p:sldId id="273" r:id="rId10"/>
+    <p:sldId id="274" r:id="rId11"/>
+    <p:sldId id="269" r:id="rId12"/>
+    <p:sldId id="271" r:id="rId13"/>
+    <p:sldId id="270" r:id="rId14"/>
+    <p:sldId id="272" r:id="rId15"/>
+    <p:sldId id="264" r:id="rId16"/>
+    <p:sldId id="265" r:id="rId17"/>
+    <p:sldId id="266" r:id="rId18"/>
+    <p:sldId id="275" r:id="rId19"/>
+    <p:sldId id="267" r:id="rId20"/>
+    <p:sldId id="268" r:id="rId21"/>
+    <p:sldId id="257" r:id="rId22"/>
   </p:sldIdLst>
   <p:sldSz cx="12192000" cy="6858000"/>
   <p:notesSz cx="6858000" cy="9144000"/>
@@ -122,6 +124,11 @@
       </a:defRPr>
     </a:lvl9pPr>
   </p:defaultTextStyle>
+  <p:extLst>
+    <p:ext uri="{EFAFB233-063F-42B5-8137-9DF3F51BA10A}">
+      <p15:sldGuideLst xmlns:p15="http://schemas.microsoft.com/office/powerpoint/2012/main"/>
+    </p:ext>
+  </p:extLst>
 </p:presentation>
 </file>
 
@@ -3083,6 +3090,16 @@
             </a:pPr>
             <a:r>
               <a:rPr lang="fr-FR" sz="3200" dirty="0" smtClean="0"/>
+              <a:t>Code</a:t>
+            </a:r>
+            <a:endParaRPr lang="fr-FR" sz="3200" dirty="0" smtClean="0"/>
+          </a:p>
+          <a:p>
+            <a:pPr marL="457200" indent="-457200" algn="l">
+              <a:buAutoNum type="arabicParenR"/>
+            </a:pPr>
+            <a:r>
+              <a:rPr lang="fr-FR" sz="3200" dirty="0" smtClean="0"/>
               <a:t>Gantt</a:t>
             </a:r>
           </a:p>
@@ -3178,7 +3195,7 @@
         </p:nvSpPr>
         <p:spPr>
           <a:xfrm>
-            <a:off x="825674" y="-313151"/>
+            <a:off x="-1945958" y="2342367"/>
             <a:ext cx="10515600" cy="1325563"/>
           </a:xfrm>
         </p:spPr>
@@ -3189,7 +3206,7 @@
             <a:pPr algn="ctr"/>
             <a:r>
               <a:rPr lang="fr-FR" dirty="0" smtClean="0"/>
-              <a:t>Programme (pub)</a:t>
+              <a:t>Définition</a:t>
             </a:r>
             <a:endParaRPr lang="fr-FR" dirty="0"/>
           </a:p>
@@ -3197,7 +3214,7 @@
       </p:sp>
       <p:pic>
         <p:nvPicPr>
-          <p:cNvPr id="6" name="Espace réservé du contenu 5"/>
+          <p:cNvPr id="4" name="Espace réservé du contenu 3"/>
           <p:cNvPicPr>
             <a:picLocks noGrp="1" noChangeAspect="1"/>
           </p:cNvPicPr>
@@ -3219,15 +3236,15 @@
         </p:blipFill>
         <p:spPr>
           <a:xfrm>
-            <a:off x="2534191" y="790563"/>
-            <a:ext cx="7098565" cy="5917125"/>
+            <a:off x="5602813" y="148956"/>
+            <a:ext cx="5733242" cy="6578571"/>
           </a:xfrm>
         </p:spPr>
       </p:pic>
     </p:spTree>
     <p:extLst>
       <p:ext uri="{BB962C8B-B14F-4D97-AF65-F5344CB8AC3E}">
-        <p14:creationId xmlns:p14="http://schemas.microsoft.com/office/powerpoint/2010/main" val="3873505453"/>
+        <p14:creationId xmlns:p14="http://schemas.microsoft.com/office/powerpoint/2010/main" val="1772967012"/>
       </p:ext>
     </p:extLst>
   </p:cSld>
@@ -3264,7 +3281,12 @@
             <p:ph type="title"/>
           </p:nvPr>
         </p:nvSpPr>
-        <p:spPr/>
+        <p:spPr>
+          <a:xfrm>
+            <a:off x="825674" y="-313151"/>
+            <a:ext cx="10515600" cy="1325563"/>
+          </a:xfrm>
+        </p:spPr>
         <p:txBody>
           <a:bodyPr/>
           <a:lstStyle/>
@@ -3272,7 +3294,7 @@
             <a:pPr algn="ctr"/>
             <a:r>
               <a:rPr lang="fr-FR" dirty="0" smtClean="0"/>
-              <a:t>Test (pub)</a:t>
+              <a:t>Programme (pub)</a:t>
             </a:r>
             <a:endParaRPr lang="fr-FR" dirty="0"/>
           </a:p>
@@ -3280,7 +3302,7 @@
       </p:sp>
       <p:pic>
         <p:nvPicPr>
-          <p:cNvPr id="4" name="Espace réservé du contenu 3"/>
+          <p:cNvPr id="6" name="Espace réservé du contenu 5"/>
           <p:cNvPicPr>
             <a:picLocks noGrp="1" noChangeAspect="1"/>
           </p:cNvPicPr>
@@ -3302,15 +3324,15 @@
         </p:blipFill>
         <p:spPr>
           <a:xfrm>
-            <a:off x="144491" y="2372401"/>
-            <a:ext cx="11903017" cy="909418"/>
+            <a:off x="2534191" y="790563"/>
+            <a:ext cx="7098565" cy="5917125"/>
           </a:xfrm>
         </p:spPr>
       </p:pic>
     </p:spTree>
     <p:extLst>
       <p:ext uri="{BB962C8B-B14F-4D97-AF65-F5344CB8AC3E}">
-        <p14:creationId xmlns:p14="http://schemas.microsoft.com/office/powerpoint/2010/main" val="3684557324"/>
+        <p14:creationId xmlns:p14="http://schemas.microsoft.com/office/powerpoint/2010/main" val="3873505453"/>
       </p:ext>
     </p:extLst>
   </p:cSld>
@@ -3347,12 +3369,7 @@
             <p:ph type="title"/>
           </p:nvPr>
         </p:nvSpPr>
-        <p:spPr>
-          <a:xfrm>
-            <a:off x="838200" y="-348858"/>
-            <a:ext cx="10515600" cy="1325563"/>
-          </a:xfrm>
-        </p:spPr>
+        <p:spPr/>
         <p:txBody>
           <a:bodyPr/>
           <a:lstStyle/>
@@ -3360,15 +3377,7 @@
             <a:pPr algn="ctr"/>
             <a:r>
               <a:rPr lang="fr-FR" dirty="0" smtClean="0"/>
-              <a:t>Programme (</a:t>
-            </a:r>
-            <a:r>
-              <a:rPr lang="fr-FR" dirty="0" err="1" smtClean="0"/>
-              <a:t>sub</a:t>
-            </a:r>
-            <a:r>
-              <a:rPr lang="fr-FR" dirty="0" smtClean="0"/>
-              <a:t>)</a:t>
+              <a:t>Test (pub)</a:t>
             </a:r>
             <a:endParaRPr lang="fr-FR" dirty="0"/>
           </a:p>
@@ -3398,15 +3407,15 @@
         </p:blipFill>
         <p:spPr>
           <a:xfrm>
-            <a:off x="3446764" y="598072"/>
-            <a:ext cx="4845466" cy="6158321"/>
+            <a:off x="144491" y="2372401"/>
+            <a:ext cx="11903017" cy="909418"/>
           </a:xfrm>
         </p:spPr>
       </p:pic>
     </p:spTree>
     <p:extLst>
       <p:ext uri="{BB962C8B-B14F-4D97-AF65-F5344CB8AC3E}">
-        <p14:creationId xmlns:p14="http://schemas.microsoft.com/office/powerpoint/2010/main" val="3774376961"/>
+        <p14:creationId xmlns:p14="http://schemas.microsoft.com/office/powerpoint/2010/main" val="3684557324"/>
       </p:ext>
     </p:extLst>
   </p:cSld>
@@ -3443,7 +3452,12 @@
             <p:ph type="title"/>
           </p:nvPr>
         </p:nvSpPr>
-        <p:spPr/>
+        <p:spPr>
+          <a:xfrm>
+            <a:off x="838200" y="-348858"/>
+            <a:ext cx="10515600" cy="1325563"/>
+          </a:xfrm>
+        </p:spPr>
         <p:txBody>
           <a:bodyPr/>
           <a:lstStyle/>
@@ -3451,7 +3465,7 @@
             <a:pPr algn="ctr"/>
             <a:r>
               <a:rPr lang="fr-FR" dirty="0" smtClean="0"/>
-              <a:t>Test (</a:t>
+              <a:t>Programme (</a:t>
             </a:r>
             <a:r>
               <a:rPr lang="fr-FR" dirty="0" err="1" smtClean="0"/>
@@ -3489,15 +3503,15 @@
         </p:blipFill>
         <p:spPr>
           <a:xfrm>
-            <a:off x="150667" y="2403382"/>
-            <a:ext cx="11890665" cy="865911"/>
+            <a:off x="3446764" y="598072"/>
+            <a:ext cx="4845466" cy="6158321"/>
           </a:xfrm>
         </p:spPr>
       </p:pic>
     </p:spTree>
     <p:extLst>
       <p:ext uri="{BB962C8B-B14F-4D97-AF65-F5344CB8AC3E}">
-        <p14:creationId xmlns:p14="http://schemas.microsoft.com/office/powerpoint/2010/main" val="4246974118"/>
+        <p14:creationId xmlns:p14="http://schemas.microsoft.com/office/powerpoint/2010/main" val="3774376961"/>
       </p:ext>
     </p:extLst>
   </p:cSld>
@@ -3534,31 +3548,24 @@
             <p:ph type="title"/>
           </p:nvPr>
         </p:nvSpPr>
-        <p:spPr>
-          <a:xfrm>
-            <a:off x="1289137" y="5598779"/>
-            <a:ext cx="10515600" cy="1325563"/>
-          </a:xfrm>
-        </p:spPr>
-        <p:txBody>
-          <a:bodyPr>
-            <a:normAutofit fontScale="90000"/>
-          </a:bodyPr>
-          <a:lstStyle/>
-          <a:p>
-            <a:r>
-              <a:rPr lang="fr-FR" sz="3300" dirty="0" smtClean="0">
-                <a:hlinkClick r:id="rId2"/>
-              </a:rPr>
-              <a:t>https://docs.google.com/spreadsheets/d/1bGch9jD0pS3EXCHeaS35TFhPX8Tz4GUdL-PRUKADAC4/edit#gid=0</a:t>
-            </a:r>
+        <p:spPr/>
+        <p:txBody>
+          <a:bodyPr/>
+          <a:lstStyle/>
+          <a:p>
+            <a:pPr algn="ctr"/>
             <a:r>
               <a:rPr lang="fr-FR" dirty="0" smtClean="0"/>
-              <a:t/>
-            </a:r>
-            <a:br>
+              <a:t>Test (</a:t>
+            </a:r>
+            <a:r>
+              <a:rPr lang="fr-FR" dirty="0" err="1" smtClean="0"/>
+              <a:t>sub</a:t>
+            </a:r>
+            <a:r>
               <a:rPr lang="fr-FR" dirty="0" smtClean="0"/>
-            </a:br>
+              <a:t>)</a:t>
+            </a:r>
             <a:endParaRPr lang="fr-FR" dirty="0"/>
           </a:p>
         </p:txBody>
@@ -3574,7 +3581,7 @@
           </p:nvPr>
         </p:nvPicPr>
         <p:blipFill>
-          <a:blip r:embed="rId3">
+          <a:blip r:embed="rId2">
             <a:extLst>
               <a:ext uri="{28A0092B-C50C-407E-A947-70E740481C1C}">
                 <a14:useLocalDpi xmlns:a14="http://schemas.microsoft.com/office/drawing/2010/main" val="0"/>
@@ -3587,69 +3594,15 @@
         </p:blipFill>
         <p:spPr>
           <a:xfrm>
-            <a:off x="838200" y="1915293"/>
-            <a:ext cx="10515600" cy="3194971"/>
+            <a:off x="150667" y="2403382"/>
+            <a:ext cx="11890665" cy="865911"/>
           </a:xfrm>
         </p:spPr>
       </p:pic>
-      <p:sp>
-        <p:nvSpPr>
-          <p:cNvPr id="5" name="Titre 1"/>
-          <p:cNvSpPr txBox="1">
-            <a:spLocks/>
-          </p:cNvSpPr>
-          <p:nvPr/>
-        </p:nvSpPr>
-        <p:spPr>
-          <a:xfrm>
-            <a:off x="838200" y="309084"/>
-            <a:ext cx="10515600" cy="1325563"/>
-          </a:xfrm>
-          <a:prstGeom prst="rect">
-            <a:avLst/>
-          </a:prstGeom>
-        </p:spPr>
-        <p:txBody>
-          <a:bodyPr vert="horz" lIns="91440" tIns="45720" rIns="91440" bIns="45720" rtlCol="0" anchor="ctr">
-            <a:normAutofit fontScale="97500"/>
-          </a:bodyPr>
-          <a:lstStyle>
-            <a:lvl1pPr algn="l" defTabSz="914400" rtl="0" eaLnBrk="1" latinLnBrk="0" hangingPunct="1">
-              <a:lnSpc>
-                <a:spcPct val="90000"/>
-              </a:lnSpc>
-              <a:spcBef>
-                <a:spcPct val="0"/>
-              </a:spcBef>
-              <a:buNone/>
-              <a:defRPr sz="4400" kern="1200">
-                <a:solidFill>
-                  <a:schemeClr val="tx1"/>
-                </a:solidFill>
-                <a:latin typeface="+mj-lt"/>
-                <a:ea typeface="+mj-ea"/>
-                <a:cs typeface="+mj-cs"/>
-              </a:defRPr>
-            </a:lvl1pPr>
-          </a:lstStyle>
-          <a:p>
-            <a:pPr algn="ctr"/>
-            <a:r>
-              <a:rPr lang="fr-FR" dirty="0" smtClean="0"/>
-              <a:t>Gantt </a:t>
-            </a:r>
-            <a:r>
-              <a:rPr lang="fr-FR" dirty="0" err="1" smtClean="0"/>
-              <a:t>prévisionelle</a:t>
-            </a:r>
-            <a:endParaRPr lang="fr-FR" dirty="0"/>
-          </a:p>
-        </p:txBody>
-      </p:sp>
     </p:spTree>
     <p:extLst>
       <p:ext uri="{BB962C8B-B14F-4D97-AF65-F5344CB8AC3E}">
-        <p14:creationId xmlns:p14="http://schemas.microsoft.com/office/powerpoint/2010/main" val="2866579409"/>
+        <p14:creationId xmlns:p14="http://schemas.microsoft.com/office/powerpoint/2010/main" val="4246974118"/>
       </p:ext>
     </p:extLst>
   </p:cSld>
@@ -3688,7 +3641,7 @@
         </p:nvSpPr>
         <p:spPr>
           <a:xfrm>
-            <a:off x="1038617" y="5776369"/>
+            <a:off x="1289137" y="5598779"/>
             <a:ext cx="10515600" cy="1325563"/>
           </a:xfrm>
         </p:spPr>
@@ -3702,7 +3655,7 @@
               <a:rPr lang="fr-FR" sz="3300" dirty="0" smtClean="0">
                 <a:hlinkClick r:id="rId2"/>
               </a:rPr>
-              <a:t>https://docs.google.com/spreadsheets/d/1lt4YmUwx1gJwj4aCsGGBuElpJSO1FqrAVOwXuzqiIu0/edit#gid=0</a:t>
+              <a:t>https://docs.google.com/spreadsheets/d/1bGch9jD0pS3EXCHeaS35TFhPX8Tz4GUdL-PRUKADAC4/edit#gid=0</a:t>
             </a:r>
             <a:r>
               <a:rPr lang="fr-FR" dirty="0" smtClean="0"/>
@@ -3739,8 +3692,8 @@
         </p:blipFill>
         <p:spPr>
           <a:xfrm>
-            <a:off x="1895689" y="1249428"/>
-            <a:ext cx="8400621" cy="4351338"/>
+            <a:off x="838200" y="1915293"/>
+            <a:ext cx="10515600" cy="3194971"/>
           </a:xfrm>
         </p:spPr>
       </p:pic>
@@ -3754,7 +3707,7 @@
         </p:nvSpPr>
         <p:spPr>
           <a:xfrm>
-            <a:off x="925883" y="108667"/>
+            <a:off x="838200" y="309084"/>
             <a:ext cx="10515600" cy="1325563"/>
           </a:xfrm>
           <a:prstGeom prst="rect">
@@ -3788,7 +3741,11 @@
             <a:pPr algn="ctr"/>
             <a:r>
               <a:rPr lang="fr-FR" dirty="0" smtClean="0"/>
-              <a:t>Gantt réel</a:t>
+              <a:t>Gantt </a:t>
+            </a:r>
+            <a:r>
+              <a:rPr lang="fr-FR" dirty="0" smtClean="0"/>
+              <a:t>prévisionnelle</a:t>
             </a:r>
             <a:endParaRPr lang="fr-FR" dirty="0"/>
           </a:p>
@@ -3797,7 +3754,7 @@
     </p:spTree>
     <p:extLst>
       <p:ext uri="{BB962C8B-B14F-4D97-AF65-F5344CB8AC3E}">
-        <p14:creationId xmlns:p14="http://schemas.microsoft.com/office/powerpoint/2010/main" val="2011637474"/>
+        <p14:creationId xmlns:p14="http://schemas.microsoft.com/office/powerpoint/2010/main" val="2866579409"/>
       </p:ext>
     </p:extLst>
   </p:cSld>
@@ -3836,19 +3793,29 @@
         </p:nvSpPr>
         <p:spPr>
           <a:xfrm>
-            <a:off x="838197" y="0"/>
+            <a:off x="1038617" y="5776369"/>
             <a:ext cx="10515600" cy="1325563"/>
           </a:xfrm>
         </p:spPr>
         <p:txBody>
-          <a:bodyPr/>
-          <a:lstStyle/>
-          <a:p>
-            <a:pPr algn="ctr"/>
+          <a:bodyPr>
+            <a:normAutofit fontScale="90000"/>
+          </a:bodyPr>
+          <a:lstStyle/>
+          <a:p>
+            <a:r>
+              <a:rPr lang="fr-FR" sz="3300" dirty="0" smtClean="0">
+                <a:hlinkClick r:id="rId2"/>
+              </a:rPr>
+              <a:t>https://docs.google.com/spreadsheets/d/1lt4YmUwx1gJwj4aCsGGBuElpJSO1FqrAVOwXuzqiIu0/edit#gid=0</a:t>
+            </a:r>
             <a:r>
               <a:rPr lang="fr-FR" dirty="0" smtClean="0"/>
-              <a:t>CRA</a:t>
-            </a:r>
+              <a:t/>
+            </a:r>
+            <a:br>
+              <a:rPr lang="fr-FR" dirty="0" smtClean="0"/>
+            </a:br>
             <a:endParaRPr lang="fr-FR" dirty="0"/>
           </a:p>
         </p:txBody>
@@ -3864,7 +3831,7 @@
           </p:nvPr>
         </p:nvPicPr>
         <p:blipFill>
-          <a:blip r:embed="rId2">
+          <a:blip r:embed="rId3">
             <a:extLst>
               <a:ext uri="{28A0092B-C50C-407E-A947-70E740481C1C}">
                 <a14:useLocalDpi xmlns:a14="http://schemas.microsoft.com/office/drawing/2010/main" val="0"/>
@@ -3877,44 +3844,65 @@
         </p:blipFill>
         <p:spPr>
           <a:xfrm>
-            <a:off x="1907477" y="1036487"/>
-            <a:ext cx="8577457" cy="4351338"/>
+            <a:off x="1895689" y="1249428"/>
+            <a:ext cx="8400621" cy="4351338"/>
           </a:xfrm>
         </p:spPr>
       </p:pic>
       <p:sp>
         <p:nvSpPr>
-          <p:cNvPr id="5" name="Rectangle 4"/>
-          <p:cNvSpPr/>
+          <p:cNvPr id="5" name="Titre 1"/>
+          <p:cNvSpPr txBox="1">
+            <a:spLocks/>
+          </p:cNvSpPr>
           <p:nvPr/>
         </p:nvSpPr>
         <p:spPr>
           <a:xfrm>
-            <a:off x="943626" y="5548410"/>
-            <a:ext cx="10079278" cy="1015663"/>
+            <a:off x="925883" y="108667"/>
+            <a:ext cx="10515600" cy="1325563"/>
           </a:xfrm>
           <a:prstGeom prst="rect">
             <a:avLst/>
           </a:prstGeom>
         </p:spPr>
         <p:txBody>
-          <a:bodyPr wrap="square">
-            <a:spAutoFit/>
+          <a:bodyPr vert="horz" lIns="91440" tIns="45720" rIns="91440" bIns="45720" rtlCol="0" anchor="ctr">
+            <a:normAutofit fontScale="97500"/>
           </a:bodyPr>
-          <a:lstStyle/>
-          <a:p>
-            <a:r>
-              <a:rPr lang="fr-FR" sz="3000" dirty="0" smtClean="0"/>
-              <a:t>https://docs.google.com/spreadsheets/d/1SLjkoPLRi8pY4Hwgq830ND2TUudDaH5NzaRUK1WWbQk/edit#gid=0</a:t>
-            </a:r>
-            <a:endParaRPr lang="fr-FR" sz="3000" dirty="0"/>
+          <a:lstStyle>
+            <a:lvl1pPr algn="l" defTabSz="914400" rtl="0" eaLnBrk="1" latinLnBrk="0" hangingPunct="1">
+              <a:lnSpc>
+                <a:spcPct val="90000"/>
+              </a:lnSpc>
+              <a:spcBef>
+                <a:spcPct val="0"/>
+              </a:spcBef>
+              <a:buNone/>
+              <a:defRPr sz="4400" kern="1200">
+                <a:solidFill>
+                  <a:schemeClr val="tx1"/>
+                </a:solidFill>
+                <a:latin typeface="+mj-lt"/>
+                <a:ea typeface="+mj-ea"/>
+                <a:cs typeface="+mj-cs"/>
+              </a:defRPr>
+            </a:lvl1pPr>
+          </a:lstStyle>
+          <a:p>
+            <a:pPr algn="ctr"/>
+            <a:r>
+              <a:rPr lang="fr-FR" dirty="0" smtClean="0"/>
+              <a:t>Gantt réel</a:t>
+            </a:r>
+            <a:endParaRPr lang="fr-FR" dirty="0"/>
           </a:p>
         </p:txBody>
       </p:sp>
     </p:spTree>
     <p:extLst>
       <p:ext uri="{BB962C8B-B14F-4D97-AF65-F5344CB8AC3E}">
-        <p14:creationId xmlns:p14="http://schemas.microsoft.com/office/powerpoint/2010/main" val="3639467727"/>
+        <p14:creationId xmlns:p14="http://schemas.microsoft.com/office/powerpoint/2010/main" val="2011637474"/>
       </p:ext>
     </p:extLst>
   </p:cSld>
@@ -3951,7 +3939,12 @@
             <p:ph type="title"/>
           </p:nvPr>
         </p:nvSpPr>
-        <p:spPr/>
+        <p:spPr>
+          <a:xfrm>
+            <a:off x="838197" y="0"/>
+            <a:ext cx="10515600" cy="1325563"/>
+          </a:xfrm>
+        </p:spPr>
         <p:txBody>
           <a:bodyPr/>
           <a:lstStyle/>
@@ -3959,7 +3952,7 @@
             <a:pPr algn="ctr"/>
             <a:r>
               <a:rPr lang="fr-FR" dirty="0" smtClean="0"/>
-              <a:t>recette</a:t>
+              <a:t>CRA</a:t>
             </a:r>
             <a:endParaRPr lang="fr-FR" dirty="0"/>
           </a:p>
@@ -3967,7 +3960,7 @@
       </p:sp>
       <p:pic>
         <p:nvPicPr>
-          <p:cNvPr id="6" name="Espace réservé du contenu 5"/>
+          <p:cNvPr id="4" name="Espace réservé du contenu 3"/>
           <p:cNvPicPr>
             <a:picLocks noGrp="1" noChangeAspect="1"/>
           </p:cNvPicPr>
@@ -3989,15 +3982,44 @@
         </p:blipFill>
         <p:spPr>
           <a:xfrm>
-            <a:off x="3257154" y="2829555"/>
-            <a:ext cx="5677692" cy="2343477"/>
+            <a:off x="1907477" y="1036487"/>
+            <a:ext cx="8577457" cy="4351338"/>
           </a:xfrm>
         </p:spPr>
       </p:pic>
+      <p:sp>
+        <p:nvSpPr>
+          <p:cNvPr id="5" name="Rectangle 4"/>
+          <p:cNvSpPr/>
+          <p:nvPr/>
+        </p:nvSpPr>
+        <p:spPr>
+          <a:xfrm>
+            <a:off x="943626" y="5548410"/>
+            <a:ext cx="10079278" cy="1015663"/>
+          </a:xfrm>
+          <a:prstGeom prst="rect">
+            <a:avLst/>
+          </a:prstGeom>
+        </p:spPr>
+        <p:txBody>
+          <a:bodyPr wrap="square">
+            <a:spAutoFit/>
+          </a:bodyPr>
+          <a:lstStyle/>
+          <a:p>
+            <a:r>
+              <a:rPr lang="fr-FR" sz="3000" dirty="0" smtClean="0"/>
+              <a:t>https://docs.google.com/spreadsheets/d/1SLjkoPLRi8pY4Hwgq830ND2TUudDaH5NzaRUK1WWbQk/edit#gid=0</a:t>
+            </a:r>
+            <a:endParaRPr lang="fr-FR" sz="3000" dirty="0"/>
+          </a:p>
+        </p:txBody>
+      </p:sp>
     </p:spTree>
     <p:extLst>
       <p:ext uri="{BB962C8B-B14F-4D97-AF65-F5344CB8AC3E}">
-        <p14:creationId xmlns:p14="http://schemas.microsoft.com/office/powerpoint/2010/main" val="438480761"/>
+        <p14:creationId xmlns:p14="http://schemas.microsoft.com/office/powerpoint/2010/main" val="3639467727"/>
       </p:ext>
     </p:extLst>
   </p:cSld>
@@ -4034,15 +4056,20 @@
             <p:ph type="title"/>
           </p:nvPr>
         </p:nvSpPr>
-        <p:spPr/>
-        <p:txBody>
-          <a:bodyPr/>
-          <a:lstStyle/>
-          <a:p>
-            <a:pPr algn="r"/>
+        <p:spPr>
+          <a:xfrm>
+            <a:off x="948051" y="-324196"/>
+            <a:ext cx="10515600" cy="1325563"/>
+          </a:xfrm>
+        </p:spPr>
+        <p:txBody>
+          <a:bodyPr/>
+          <a:lstStyle/>
+          <a:p>
+            <a:pPr algn="ctr"/>
             <a:r>
               <a:rPr lang="fr-FR" dirty="0" smtClean="0"/>
-              <a:t>Matériel</a:t>
+              <a:t>Cahier de bord</a:t>
             </a:r>
             <a:endParaRPr lang="fr-FR" dirty="0"/>
           </a:p>
@@ -4072,75 +4099,43 @@
         </p:blipFill>
         <p:spPr>
           <a:xfrm>
-            <a:off x="0" y="0"/>
-            <a:ext cx="6878010" cy="2314898"/>
+            <a:off x="3872745" y="520528"/>
+            <a:ext cx="4446510" cy="5357156"/>
           </a:xfrm>
         </p:spPr>
       </p:pic>
-      <p:pic>
-        <p:nvPicPr>
-          <p:cNvPr id="5" name="Image 4"/>
-          <p:cNvPicPr>
-            <a:picLocks noChangeAspect="1"/>
-          </p:cNvPicPr>
+      <p:sp>
+        <p:nvSpPr>
+          <p:cNvPr id="5" name="Rectangle 4"/>
+          <p:cNvSpPr/>
           <p:nvPr/>
-        </p:nvPicPr>
-        <p:blipFill>
-          <a:blip r:embed="rId3">
-            <a:extLst>
-              <a:ext uri="{28A0092B-C50C-407E-A947-70E740481C1C}">
-                <a14:useLocalDpi xmlns:a14="http://schemas.microsoft.com/office/drawing/2010/main" val="0"/>
-              </a:ext>
-            </a:extLst>
-          </a:blip>
-          <a:stretch>
-            <a:fillRect/>
-          </a:stretch>
-        </p:blipFill>
-        <p:spPr>
-          <a:xfrm>
-            <a:off x="248290" y="2442575"/>
-            <a:ext cx="5248152" cy="3622487"/>
+        </p:nvSpPr>
+        <p:spPr>
+          <a:xfrm>
+            <a:off x="3157851" y="6076077"/>
+            <a:ext cx="6096000" cy="646331"/>
           </a:xfrm>
           <a:prstGeom prst="rect">
             <a:avLst/>
           </a:prstGeom>
         </p:spPr>
-      </p:pic>
-      <p:pic>
-        <p:nvPicPr>
-          <p:cNvPr id="6" name="Image 5"/>
-          <p:cNvPicPr>
-            <a:picLocks noChangeAspect="1"/>
-          </p:cNvPicPr>
-          <p:nvPr/>
-        </p:nvPicPr>
-        <p:blipFill>
-          <a:blip r:embed="rId4">
-            <a:extLst>
-              <a:ext uri="{28A0092B-C50C-407E-A947-70E740481C1C}">
-                <a14:useLocalDpi xmlns:a14="http://schemas.microsoft.com/office/drawing/2010/main" val="0"/>
-              </a:ext>
-            </a:extLst>
-          </a:blip>
-          <a:stretch>
-            <a:fillRect/>
-          </a:stretch>
-        </p:blipFill>
-        <p:spPr>
-          <a:xfrm>
-            <a:off x="5744197" y="3666357"/>
-            <a:ext cx="6039693" cy="2581635"/>
-          </a:xfrm>
-          <a:prstGeom prst="rect">
-            <a:avLst/>
-          </a:prstGeom>
-        </p:spPr>
-      </p:pic>
+        <p:txBody>
+          <a:bodyPr>
+            <a:spAutoFit/>
+          </a:bodyPr>
+          <a:lstStyle/>
+          <a:p>
+            <a:r>
+              <a:rPr lang="fr-FR" dirty="0"/>
+              <a:t>https://docs.google.com/document/d/1yb8ICADPck8xJuGNnGfKUmQQP96kw9k8fe0idGPh9sM/edit</a:t>
+            </a:r>
+          </a:p>
+        </p:txBody>
+      </p:sp>
     </p:spTree>
     <p:extLst>
       <p:ext uri="{BB962C8B-B14F-4D97-AF65-F5344CB8AC3E}">
-        <p14:creationId xmlns:p14="http://schemas.microsoft.com/office/powerpoint/2010/main" val="640692932"/>
+        <p14:creationId xmlns:p14="http://schemas.microsoft.com/office/powerpoint/2010/main" val="1918116813"/>
       </p:ext>
     </p:extLst>
   </p:cSld>
@@ -4182,75 +4177,52 @@
           <a:bodyPr/>
           <a:lstStyle/>
           <a:p>
-            <a:endParaRPr lang="fr-FR"/>
-          </a:p>
-        </p:txBody>
-      </p:sp>
-      <p:sp>
-        <p:nvSpPr>
-          <p:cNvPr id="3" name="Espace réservé du contenu 2"/>
-          <p:cNvSpPr>
-            <a:spLocks noGrp="1"/>
-          </p:cNvSpPr>
+            <a:pPr algn="ctr"/>
+            <a:r>
+              <a:rPr lang="fr-FR" dirty="0"/>
+              <a:t>R</a:t>
+            </a:r>
+            <a:r>
+              <a:rPr lang="fr-FR" dirty="0" smtClean="0"/>
+              <a:t>ecette</a:t>
+            </a:r>
+            <a:endParaRPr lang="fr-FR" dirty="0"/>
+          </a:p>
+        </p:txBody>
+      </p:sp>
+      <p:pic>
+        <p:nvPicPr>
+          <p:cNvPr id="6" name="Espace réservé du contenu 5"/>
+          <p:cNvPicPr>
+            <a:picLocks noGrp="1" noChangeAspect="1"/>
+          </p:cNvPicPr>
           <p:nvPr>
             <p:ph idx="1"/>
           </p:nvPr>
-        </p:nvSpPr>
-        <p:spPr/>
-        <p:txBody>
-          <a:bodyPr>
-            <a:normAutofit lnSpcReduction="10000"/>
-          </a:bodyPr>
-          <a:lstStyle/>
-          <a:p>
-            <a:r>
-              <a:rPr lang="fr-FR" dirty="0" smtClean="0">
-                <a:hlinkClick r:id="rId2"/>
-              </a:rPr>
-              <a:t>https://github.com/florian60430/RadiateurCrous</a:t>
-            </a:r>
-            <a:endParaRPr lang="fr-FR" dirty="0" smtClean="0"/>
-          </a:p>
-          <a:p>
-            <a:r>
-              <a:rPr lang="fr-FR" dirty="0" smtClean="0"/>
-              <a:t>https://drive.google.com/drive/u/0/folders/1etctpQrvLZtxeCveAQCvBe2x6-E9fwCK</a:t>
-            </a:r>
-          </a:p>
-          <a:p>
-            <a:r>
-              <a:rPr lang="fr-FR" dirty="0" smtClean="0">
-                <a:hlinkClick r:id="rId3"/>
-              </a:rPr>
-              <a:t>Gantt : https://docs.google.com/spreadsheets/d/1bGch9jD0pS3EXCHeaS35TFhPX8Tz4GUdL-PRUKADAC4/edit#gid=0</a:t>
-            </a:r>
-            <a:endParaRPr lang="fr-FR" dirty="0" smtClean="0"/>
-          </a:p>
-          <a:p>
-            <a:endParaRPr lang="fr-FR" dirty="0"/>
-          </a:p>
-          <a:p>
-            <a:r>
-              <a:rPr lang="fr-FR" dirty="0" smtClean="0"/>
-              <a:t>Gantt Réel : </a:t>
-            </a:r>
-            <a:r>
-              <a:rPr lang="fr-FR" dirty="0" smtClean="0">
-                <a:hlinkClick r:id="rId4"/>
-              </a:rPr>
-              <a:t>https://docs.google.com/spreadsheets/d/1lt4YmUwx1gJwj4aCsGGBuElpJSO1FqrAVOwXuzqiIu0/edit#gid=0</a:t>
-            </a:r>
-            <a:endParaRPr lang="fr-FR" dirty="0" smtClean="0"/>
-          </a:p>
-          <a:p>
-            <a:endParaRPr lang="fr-FR" dirty="0"/>
-          </a:p>
-        </p:txBody>
-      </p:sp>
+        </p:nvPicPr>
+        <p:blipFill>
+          <a:blip r:embed="rId2">
+            <a:extLst>
+              <a:ext uri="{28A0092B-C50C-407E-A947-70E740481C1C}">
+                <a14:useLocalDpi xmlns:a14="http://schemas.microsoft.com/office/drawing/2010/main" val="0"/>
+              </a:ext>
+            </a:extLst>
+          </a:blip>
+          <a:stretch>
+            <a:fillRect/>
+          </a:stretch>
+        </p:blipFill>
+        <p:spPr>
+          <a:xfrm>
+            <a:off x="3257154" y="2829555"/>
+            <a:ext cx="5677692" cy="2343477"/>
+          </a:xfrm>
+        </p:spPr>
+      </p:pic>
     </p:spTree>
     <p:extLst>
       <p:ext uri="{BB962C8B-B14F-4D97-AF65-F5344CB8AC3E}">
-        <p14:creationId xmlns:p14="http://schemas.microsoft.com/office/powerpoint/2010/main" val="3123380140"/>
+        <p14:creationId xmlns:p14="http://schemas.microsoft.com/office/powerpoint/2010/main" val="438480761"/>
       </p:ext>
     </p:extLst>
   </p:cSld>
@@ -4287,32 +4259,16 @@
             <p:ph type="title"/>
           </p:nvPr>
         </p:nvSpPr>
-        <p:spPr>
-          <a:xfrm>
-            <a:off x="725466" y="5532437"/>
-            <a:ext cx="10515600" cy="1325563"/>
-          </a:xfrm>
-        </p:spPr>
-        <p:txBody>
-          <a:bodyPr>
-            <a:normAutofit fontScale="90000"/>
-          </a:bodyPr>
+        <p:spPr/>
+        <p:txBody>
+          <a:bodyPr/>
           <a:lstStyle/>
           <a:p>
             <a:pPr algn="ctr"/>
             <a:r>
-              <a:rPr lang="fr-FR" dirty="0" smtClean="0">
-                <a:hlinkClick r:id="rId2"/>
-              </a:rPr>
-              <a:t>https://github.com/florian60430/RadiateurCrous</a:t>
-            </a:r>
-            <a:r>
               <a:rPr lang="fr-FR" dirty="0" smtClean="0"/>
-              <a:t/>
-            </a:r>
-            <a:br>
-              <a:rPr lang="fr-FR" dirty="0" smtClean="0"/>
-            </a:br>
+              <a:t>Introduction</a:t>
+            </a:r>
             <a:endParaRPr lang="fr-FR" dirty="0"/>
           </a:p>
         </p:txBody>
@@ -4326,6 +4282,116 @@
           <p:nvPr>
             <p:ph idx="1"/>
           </p:nvPr>
+        </p:nvPicPr>
+        <p:blipFill>
+          <a:blip r:embed="rId2">
+            <a:extLst>
+              <a:ext uri="{28A0092B-C50C-407E-A947-70E740481C1C}">
+                <a14:useLocalDpi xmlns:a14="http://schemas.microsoft.com/office/drawing/2010/main" val="0"/>
+              </a:ext>
+            </a:extLst>
+          </a:blip>
+          <a:stretch>
+            <a:fillRect/>
+          </a:stretch>
+        </p:blipFill>
+        <p:spPr>
+          <a:xfrm>
+            <a:off x="1416206" y="1825625"/>
+            <a:ext cx="9359587" cy="4351338"/>
+          </a:xfrm>
+        </p:spPr>
+      </p:pic>
+    </p:spTree>
+    <p:extLst>
+      <p:ext uri="{BB962C8B-B14F-4D97-AF65-F5344CB8AC3E}">
+        <p14:creationId xmlns:p14="http://schemas.microsoft.com/office/powerpoint/2010/main" val="3436731194"/>
+      </p:ext>
+    </p:extLst>
+  </p:cSld>
+  <p:clrMapOvr>
+    <a:masterClrMapping/>
+  </p:clrMapOvr>
+</p:sld>
+</file>
+
+<file path=ppt/slides/slide20.xml><?xml version="1.0" encoding="utf-8"?>
+<p:sld xmlns:a="http://schemas.openxmlformats.org/drawingml/2006/main" xmlns:r="http://schemas.openxmlformats.org/officeDocument/2006/relationships" xmlns:p="http://schemas.openxmlformats.org/presentationml/2006/main">
+  <p:cSld>
+    <p:spTree>
+      <p:nvGrpSpPr>
+        <p:cNvPr id="1" name=""/>
+        <p:cNvGrpSpPr/>
+        <p:nvPr/>
+      </p:nvGrpSpPr>
+      <p:grpSpPr>
+        <a:xfrm>
+          <a:off x="0" y="0"/>
+          <a:ext cx="0" cy="0"/>
+          <a:chOff x="0" y="0"/>
+          <a:chExt cx="0" cy="0"/>
+        </a:xfrm>
+      </p:grpSpPr>
+      <p:sp>
+        <p:nvSpPr>
+          <p:cNvPr id="2" name="Titre 1"/>
+          <p:cNvSpPr>
+            <a:spLocks noGrp="1"/>
+          </p:cNvSpPr>
+          <p:nvPr>
+            <p:ph type="title"/>
+          </p:nvPr>
+        </p:nvSpPr>
+        <p:spPr/>
+        <p:txBody>
+          <a:bodyPr/>
+          <a:lstStyle/>
+          <a:p>
+            <a:pPr algn="r"/>
+            <a:r>
+              <a:rPr lang="fr-FR" dirty="0" smtClean="0"/>
+              <a:t>Matériel</a:t>
+            </a:r>
+            <a:endParaRPr lang="fr-FR" dirty="0"/>
+          </a:p>
+        </p:txBody>
+      </p:sp>
+      <p:pic>
+        <p:nvPicPr>
+          <p:cNvPr id="4" name="Espace réservé du contenu 3"/>
+          <p:cNvPicPr>
+            <a:picLocks noGrp="1" noChangeAspect="1"/>
+          </p:cNvPicPr>
+          <p:nvPr>
+            <p:ph idx="1"/>
+          </p:nvPr>
+        </p:nvPicPr>
+        <p:blipFill>
+          <a:blip r:embed="rId2">
+            <a:extLst>
+              <a:ext uri="{28A0092B-C50C-407E-A947-70E740481C1C}">
+                <a14:useLocalDpi xmlns:a14="http://schemas.microsoft.com/office/drawing/2010/main" val="0"/>
+              </a:ext>
+            </a:extLst>
+          </a:blip>
+          <a:stretch>
+            <a:fillRect/>
+          </a:stretch>
+        </p:blipFill>
+        <p:spPr>
+          <a:xfrm>
+            <a:off x="0" y="0"/>
+            <a:ext cx="6878010" cy="2314898"/>
+          </a:xfrm>
+        </p:spPr>
+      </p:pic>
+      <p:pic>
+        <p:nvPicPr>
+          <p:cNvPr id="5" name="Image 4"/>
+          <p:cNvPicPr>
+            <a:picLocks noChangeAspect="1"/>
+          </p:cNvPicPr>
+          <p:nvPr/>
         </p:nvPicPr>
         <p:blipFill>
           <a:blip r:embed="rId3">
@@ -4341,82 +4407,191 @@
         </p:blipFill>
         <p:spPr>
           <a:xfrm>
-            <a:off x="976831" y="1027906"/>
-            <a:ext cx="10012870" cy="4351338"/>
-          </a:xfrm>
-        </p:spPr>
-      </p:pic>
-      <p:sp>
-        <p:nvSpPr>
-          <p:cNvPr id="5" name="Titre 1"/>
-          <p:cNvSpPr txBox="1">
-            <a:spLocks/>
-          </p:cNvSpPr>
-          <p:nvPr/>
-        </p:nvSpPr>
-        <p:spPr>
-          <a:xfrm>
-            <a:off x="602294" y="211931"/>
-            <a:ext cx="10515600" cy="1325563"/>
+            <a:off x="248290" y="2442575"/>
+            <a:ext cx="5248152" cy="3622487"/>
           </a:xfrm>
           <a:prstGeom prst="rect">
             <a:avLst/>
           </a:prstGeom>
         </p:spPr>
-        <p:txBody>
-          <a:bodyPr vert="horz" lIns="91440" tIns="45720" rIns="91440" bIns="45720" rtlCol="0" anchor="ctr">
-            <a:normAutofit fontScale="97500"/>
-          </a:bodyPr>
-          <a:lstStyle>
-            <a:lvl1pPr algn="l" defTabSz="914400" rtl="0" eaLnBrk="1" latinLnBrk="0" hangingPunct="1">
-              <a:lnSpc>
-                <a:spcPct val="90000"/>
-              </a:lnSpc>
-              <a:spcBef>
-                <a:spcPct val="0"/>
-              </a:spcBef>
-              <a:buNone/>
-              <a:defRPr sz="4400" kern="1200">
-                <a:solidFill>
-                  <a:schemeClr val="tx1"/>
-                </a:solidFill>
-                <a:latin typeface="+mj-lt"/>
-                <a:ea typeface="+mj-ea"/>
-                <a:cs typeface="+mj-cs"/>
-              </a:defRPr>
-            </a:lvl1pPr>
-          </a:lstStyle>
-          <a:p>
-            <a:pPr algn="ctr"/>
-            <a:r>
-              <a:rPr lang="fr-FR" dirty="0" err="1" smtClean="0"/>
-              <a:t>Github</a:t>
-            </a:r>
-            <a:endParaRPr lang="fr-FR" dirty="0" smtClean="0"/>
-          </a:p>
-          <a:p>
-            <a:pPr algn="ctr"/>
-            <a:endParaRPr lang="fr-FR" dirty="0"/>
-          </a:p>
-        </p:txBody>
-      </p:sp>
+      </p:pic>
+      <p:pic>
+        <p:nvPicPr>
+          <p:cNvPr id="6" name="Image 5"/>
+          <p:cNvPicPr>
+            <a:picLocks noChangeAspect="1"/>
+          </p:cNvPicPr>
+          <p:nvPr/>
+        </p:nvPicPr>
+        <p:blipFill>
+          <a:blip r:embed="rId4">
+            <a:extLst>
+              <a:ext uri="{28A0092B-C50C-407E-A947-70E740481C1C}">
+                <a14:useLocalDpi xmlns:a14="http://schemas.microsoft.com/office/drawing/2010/main" val="0"/>
+              </a:ext>
+            </a:extLst>
+          </a:blip>
+          <a:stretch>
+            <a:fillRect/>
+          </a:stretch>
+        </p:blipFill>
+        <p:spPr>
+          <a:xfrm>
+            <a:off x="5744197" y="3666357"/>
+            <a:ext cx="6039693" cy="2581635"/>
+          </a:xfrm>
+          <a:prstGeom prst="rect">
+            <a:avLst/>
+          </a:prstGeom>
+        </p:spPr>
+      </p:pic>
     </p:spTree>
     <p:extLst>
       <p:ext uri="{BB962C8B-B14F-4D97-AF65-F5344CB8AC3E}">
-        <p14:creationId xmlns:p14="http://schemas.microsoft.com/office/powerpoint/2010/main" val="2555546563"/>
+        <p14:creationId xmlns:p14="http://schemas.microsoft.com/office/powerpoint/2010/main" val="640692932"/>
       </p:ext>
     </p:extLst>
   </p:cSld>
   <p:clrMapOvr>
     <a:masterClrMapping/>
   </p:clrMapOvr>
-  <p:timing>
-    <p:tnLst>
-      <p:par>
-        <p:cTn id="1" dur="indefinite" restart="never" nodeType="tmRoot"/>
-      </p:par>
-    </p:tnLst>
-  </p:timing>
+</p:sld>
+</file>
+
+<file path=ppt/slides/slide21.xml><?xml version="1.0" encoding="utf-8"?>
+<p:sld xmlns:a="http://schemas.openxmlformats.org/drawingml/2006/main" xmlns:r="http://schemas.openxmlformats.org/officeDocument/2006/relationships" xmlns:p="http://schemas.openxmlformats.org/presentationml/2006/main">
+  <p:cSld>
+    <p:spTree>
+      <p:nvGrpSpPr>
+        <p:cNvPr id="1" name=""/>
+        <p:cNvGrpSpPr/>
+        <p:nvPr/>
+      </p:nvGrpSpPr>
+      <p:grpSpPr>
+        <a:xfrm>
+          <a:off x="0" y="0"/>
+          <a:ext cx="0" cy="0"/>
+          <a:chOff x="0" y="0"/>
+          <a:chExt cx="0" cy="0"/>
+        </a:xfrm>
+      </p:grpSpPr>
+      <p:sp>
+        <p:nvSpPr>
+          <p:cNvPr id="2" name="Titre 1"/>
+          <p:cNvSpPr>
+            <a:spLocks noGrp="1"/>
+          </p:cNvSpPr>
+          <p:nvPr>
+            <p:ph type="title"/>
+          </p:nvPr>
+        </p:nvSpPr>
+        <p:spPr/>
+        <p:txBody>
+          <a:bodyPr/>
+          <a:lstStyle/>
+          <a:p>
+            <a:pPr algn="ctr"/>
+            <a:r>
+              <a:rPr lang="fr-FR" dirty="0" smtClean="0"/>
+              <a:t>Liens</a:t>
+            </a:r>
+            <a:endParaRPr lang="fr-FR" dirty="0"/>
+          </a:p>
+        </p:txBody>
+      </p:sp>
+      <p:sp>
+        <p:nvSpPr>
+          <p:cNvPr id="3" name="Espace réservé du contenu 2"/>
+          <p:cNvSpPr>
+            <a:spLocks noGrp="1"/>
+          </p:cNvSpPr>
+          <p:nvPr>
+            <p:ph idx="1"/>
+          </p:nvPr>
+        </p:nvSpPr>
+        <p:spPr/>
+        <p:txBody>
+          <a:bodyPr>
+            <a:normAutofit/>
+          </a:bodyPr>
+          <a:lstStyle/>
+          <a:p>
+            <a:r>
+              <a:rPr lang="fr-FR" sz="1800" dirty="0" smtClean="0">
+                <a:hlinkClick r:id="rId2"/>
+              </a:rPr>
+              <a:t>https://github.com/florian60430/RadiateurCrous</a:t>
+            </a:r>
+            <a:endParaRPr lang="fr-FR" sz="1800" dirty="0" smtClean="0"/>
+          </a:p>
+          <a:p>
+            <a:r>
+              <a:rPr lang="fr-FR" sz="1800" dirty="0" smtClean="0"/>
+              <a:t>https://drive.google.com/drive/u/0/folders/1etctpQrvLZtxeCveAQCvBe2x6-E9fwCK</a:t>
+            </a:r>
+          </a:p>
+          <a:p>
+            <a:r>
+              <a:rPr lang="fr-FR" sz="1800" dirty="0" smtClean="0">
+                <a:hlinkClick r:id="rId3"/>
+              </a:rPr>
+              <a:t>Gantt : https://docs.google.com/spreadsheets/d/1bGch9jD0pS3EXCHeaS35TFhPX8Tz4GUdL-PRUKADAC4/edit#gid=0</a:t>
+            </a:r>
+            <a:endParaRPr lang="fr-FR" sz="1800" dirty="0" smtClean="0"/>
+          </a:p>
+          <a:p>
+            <a:endParaRPr lang="fr-FR" sz="1800" dirty="0"/>
+          </a:p>
+          <a:p>
+            <a:r>
+              <a:rPr lang="fr-FR" sz="1800" dirty="0" smtClean="0"/>
+              <a:t>Gantt Réel : </a:t>
+            </a:r>
+            <a:r>
+              <a:rPr lang="fr-FR" sz="1800" dirty="0" smtClean="0">
+                <a:hlinkClick r:id="rId4"/>
+              </a:rPr>
+              <a:t>https://</a:t>
+            </a:r>
+            <a:r>
+              <a:rPr lang="fr-FR" sz="1800" dirty="0" smtClean="0">
+                <a:hlinkClick r:id="rId4"/>
+              </a:rPr>
+              <a:t>docs.google.com/spreadsheets/d/1lt4YmUwx1gJwj4aCsGGBuElpJSO1FqrAVOwXuzqiIu0/edit#gid=0</a:t>
+            </a:r>
+            <a:endParaRPr lang="fr-FR" sz="1800" dirty="0" smtClean="0"/>
+          </a:p>
+          <a:p>
+            <a:endParaRPr lang="fr-FR" sz="1800" dirty="0"/>
+          </a:p>
+          <a:p>
+            <a:r>
+              <a:rPr lang="fr-FR" sz="1800" dirty="0"/>
+              <a:t>https://docs.google.com/spreadsheets/d/1SLjkoPLRi8pY4Hwgq830ND2TUudDaH5NzaRUK1WWbQk/edit#gid=0</a:t>
+            </a:r>
+          </a:p>
+          <a:p>
+            <a:endParaRPr lang="fr-FR" sz="1800" dirty="0" smtClean="0"/>
+          </a:p>
+          <a:p>
+            <a:r>
+              <a:rPr lang="fr-FR" sz="1800" dirty="0"/>
+              <a:t>https://docs.google.com/document/d/1yb8ICADPck8xJuGNnGfKUmQQP96kw9k8fe0idGPh9sM/edit</a:t>
+            </a:r>
+            <a:endParaRPr lang="fr-FR" sz="1800" dirty="0"/>
+          </a:p>
+        </p:txBody>
+      </p:sp>
+    </p:spTree>
+    <p:extLst>
+      <p:ext uri="{BB962C8B-B14F-4D97-AF65-F5344CB8AC3E}">
+        <p14:creationId xmlns:p14="http://schemas.microsoft.com/office/powerpoint/2010/main" val="3123380140"/>
+      </p:ext>
+    </p:extLst>
+  </p:cSld>
+  <p:clrMapOvr>
+    <a:masterClrMapping/>
+  </p:clrMapOvr>
 </p:sld>
 </file>
 
@@ -4449,28 +4624,31 @@
         </p:nvSpPr>
         <p:spPr>
           <a:xfrm>
-            <a:off x="838199" y="5532437"/>
+            <a:off x="725466" y="5532437"/>
             <a:ext cx="10515600" cy="1325563"/>
           </a:xfrm>
         </p:spPr>
         <p:txBody>
           <a:bodyPr>
-            <a:normAutofit fontScale="90000"/>
+            <a:normAutofit/>
           </a:bodyPr>
           <a:lstStyle/>
           <a:p>
-            <a:r>
-              <a:rPr lang="fr-FR" sz="3300" dirty="0" smtClean="0"/>
-              <a:t>https://drive.google.com/drive/u/0/folders/1etctpQrvLZtxeCveAQCvBe2x6-E9fwCK</a:t>
-            </a:r>
-            <a:r>
-              <a:rPr lang="fr-FR" dirty="0" smtClean="0"/>
+            <a:pPr algn="ctr"/>
+            <a:r>
+              <a:rPr lang="fr-FR" sz="3000" dirty="0" smtClean="0">
+                <a:hlinkClick r:id="rId2"/>
+              </a:rPr>
+              <a:t>https://github.com/florian60430/RadiateurCrous</a:t>
+            </a:r>
+            <a:r>
+              <a:rPr lang="fr-FR" sz="3000" dirty="0" smtClean="0"/>
               <a:t/>
             </a:r>
             <a:br>
-              <a:rPr lang="fr-FR" dirty="0" smtClean="0"/>
+              <a:rPr lang="fr-FR" sz="3000" dirty="0" smtClean="0"/>
             </a:br>
-            <a:endParaRPr lang="fr-FR" dirty="0"/>
+            <a:endParaRPr lang="fr-FR" sz="3000" dirty="0"/>
           </a:p>
         </p:txBody>
       </p:sp>
@@ -4485,7 +4663,7 @@
           </p:nvPr>
         </p:nvPicPr>
         <p:blipFill>
-          <a:blip r:embed="rId2">
+          <a:blip r:embed="rId3">
             <a:extLst>
               <a:ext uri="{28A0092B-C50C-407E-A947-70E740481C1C}">
                 <a14:useLocalDpi xmlns:a14="http://schemas.microsoft.com/office/drawing/2010/main" val="0"/>
@@ -4498,14 +4676,14 @@
         </p:blipFill>
         <p:spPr>
           <a:xfrm>
-            <a:off x="2042430" y="1061538"/>
-            <a:ext cx="8107137" cy="4351338"/>
+            <a:off x="976831" y="1027906"/>
+            <a:ext cx="10012870" cy="4351338"/>
           </a:xfrm>
         </p:spPr>
       </p:pic>
       <p:sp>
         <p:nvSpPr>
-          <p:cNvPr id="6" name="Titre 1"/>
+          <p:cNvPr id="5" name="Titre 1"/>
           <p:cNvSpPr txBox="1">
             <a:spLocks/>
           </p:cNvSpPr>
@@ -4513,7 +4691,7 @@
         </p:nvSpPr>
         <p:spPr>
           <a:xfrm>
-            <a:off x="712940" y="0"/>
+            <a:off x="602294" y="211931"/>
             <a:ext cx="10515600" cy="1325563"/>
           </a:xfrm>
           <a:prstGeom prst="rect">
@@ -4546,9 +4724,13 @@
           <a:p>
             <a:pPr algn="ctr"/>
             <a:r>
-              <a:rPr lang="fr-FR" dirty="0" smtClean="0"/>
-              <a:t>Google drive</a:t>
-            </a:r>
+              <a:rPr lang="fr-FR" dirty="0" err="1" smtClean="0"/>
+              <a:t>Github</a:t>
+            </a:r>
+            <a:endParaRPr lang="fr-FR" dirty="0" smtClean="0"/>
+          </a:p>
+          <a:p>
+            <a:pPr algn="ctr"/>
             <a:endParaRPr lang="fr-FR" dirty="0"/>
           </a:p>
         </p:txBody>
@@ -4556,7 +4738,7 @@
     </p:spTree>
     <p:extLst>
       <p:ext uri="{BB962C8B-B14F-4D97-AF65-F5344CB8AC3E}">
-        <p14:creationId xmlns:p14="http://schemas.microsoft.com/office/powerpoint/2010/main" val="3228151722"/>
+        <p14:creationId xmlns:p14="http://schemas.microsoft.com/office/powerpoint/2010/main" val="2555546563"/>
       </p:ext>
     </p:extLst>
   </p:cSld>
@@ -4600,16 +4782,29 @@
             <p:ph type="title"/>
           </p:nvPr>
         </p:nvSpPr>
-        <p:spPr/>
-        <p:txBody>
-          <a:bodyPr/>
-          <a:lstStyle/>
-          <a:p>
-            <a:pPr algn="ctr"/>
+        <p:spPr>
+          <a:xfrm>
+            <a:off x="838199" y="5532437"/>
+            <a:ext cx="10515600" cy="1325563"/>
+          </a:xfrm>
+        </p:spPr>
+        <p:txBody>
+          <a:bodyPr>
+            <a:normAutofit fontScale="90000"/>
+          </a:bodyPr>
+          <a:lstStyle/>
+          <a:p>
+            <a:r>
+              <a:rPr lang="fr-FR" sz="3300" dirty="0" smtClean="0"/>
+              <a:t>https://drive.google.com/drive/u/0/folders/1etctpQrvLZtxeCveAQCvBe2x6-E9fwCK</a:t>
+            </a:r>
             <a:r>
               <a:rPr lang="fr-FR" dirty="0" smtClean="0"/>
-              <a:t>CDCF</a:t>
-            </a:r>
+              <a:t/>
+            </a:r>
+            <a:br>
+              <a:rPr lang="fr-FR" dirty="0" smtClean="0"/>
+            </a:br>
             <a:endParaRPr lang="fr-FR" dirty="0"/>
           </a:p>
         </p:txBody>
@@ -4638,75 +4833,65 @@
         </p:blipFill>
         <p:spPr>
           <a:xfrm>
-            <a:off x="0" y="2497431"/>
-            <a:ext cx="4024476" cy="4351338"/>
+            <a:off x="2042430" y="1061538"/>
+            <a:ext cx="8107137" cy="4351338"/>
           </a:xfrm>
         </p:spPr>
       </p:pic>
-      <p:pic>
-        <p:nvPicPr>
-          <p:cNvPr id="5" name="Image 4"/>
-          <p:cNvPicPr>
-            <a:picLocks noChangeAspect="1"/>
-          </p:cNvPicPr>
+      <p:sp>
+        <p:nvSpPr>
+          <p:cNvPr id="6" name="Titre 1"/>
+          <p:cNvSpPr txBox="1">
+            <a:spLocks/>
+          </p:cNvSpPr>
           <p:nvPr/>
-        </p:nvPicPr>
-        <p:blipFill>
-          <a:blip r:embed="rId3">
-            <a:extLst>
-              <a:ext uri="{28A0092B-C50C-407E-A947-70E740481C1C}">
-                <a14:useLocalDpi xmlns:a14="http://schemas.microsoft.com/office/drawing/2010/main" val="0"/>
-              </a:ext>
-            </a:extLst>
-          </a:blip>
-          <a:stretch>
-            <a:fillRect/>
-          </a:stretch>
-        </p:blipFill>
-        <p:spPr>
-          <a:xfrm>
-            <a:off x="3612592" y="1783415"/>
-            <a:ext cx="4582362" cy="5074585"/>
+        </p:nvSpPr>
+        <p:spPr>
+          <a:xfrm>
+            <a:off x="712940" y="0"/>
+            <a:ext cx="10515600" cy="1325563"/>
           </a:xfrm>
           <a:prstGeom prst="rect">
             <a:avLst/>
           </a:prstGeom>
         </p:spPr>
-      </p:pic>
-      <p:pic>
-        <p:nvPicPr>
-          <p:cNvPr id="6" name="Image 5"/>
-          <p:cNvPicPr>
-            <a:picLocks noChangeAspect="1"/>
-          </p:cNvPicPr>
-          <p:nvPr/>
-        </p:nvPicPr>
-        <p:blipFill>
-          <a:blip r:embed="rId4">
-            <a:extLst>
-              <a:ext uri="{28A0092B-C50C-407E-A947-70E740481C1C}">
-                <a14:useLocalDpi xmlns:a14="http://schemas.microsoft.com/office/drawing/2010/main" val="0"/>
-              </a:ext>
-            </a:extLst>
-          </a:blip>
-          <a:stretch>
-            <a:fillRect/>
-          </a:stretch>
-        </p:blipFill>
-        <p:spPr>
-          <a:xfrm>
-            <a:off x="7739678" y="2421383"/>
-            <a:ext cx="4452322" cy="4503433"/>
-          </a:xfrm>
-          <a:prstGeom prst="rect">
-            <a:avLst/>
-          </a:prstGeom>
-        </p:spPr>
-      </p:pic>
+        <p:txBody>
+          <a:bodyPr vert="horz" lIns="91440" tIns="45720" rIns="91440" bIns="45720" rtlCol="0" anchor="ctr">
+            <a:normAutofit fontScale="97500"/>
+          </a:bodyPr>
+          <a:lstStyle>
+            <a:lvl1pPr algn="l" defTabSz="914400" rtl="0" eaLnBrk="1" latinLnBrk="0" hangingPunct="1">
+              <a:lnSpc>
+                <a:spcPct val="90000"/>
+              </a:lnSpc>
+              <a:spcBef>
+                <a:spcPct val="0"/>
+              </a:spcBef>
+              <a:buNone/>
+              <a:defRPr sz="4400" kern="1200">
+                <a:solidFill>
+                  <a:schemeClr val="tx1"/>
+                </a:solidFill>
+                <a:latin typeface="+mj-lt"/>
+                <a:ea typeface="+mj-ea"/>
+                <a:cs typeface="+mj-cs"/>
+              </a:defRPr>
+            </a:lvl1pPr>
+          </a:lstStyle>
+          <a:p>
+            <a:pPr algn="ctr"/>
+            <a:r>
+              <a:rPr lang="fr-FR" dirty="0" smtClean="0"/>
+              <a:t>Google drive</a:t>
+            </a:r>
+            <a:endParaRPr lang="fr-FR" dirty="0"/>
+          </a:p>
+        </p:txBody>
+      </p:sp>
     </p:spTree>
     <p:extLst>
       <p:ext uri="{BB962C8B-B14F-4D97-AF65-F5344CB8AC3E}">
-        <p14:creationId xmlns:p14="http://schemas.microsoft.com/office/powerpoint/2010/main" val="3428502794"/>
+        <p14:creationId xmlns:p14="http://schemas.microsoft.com/office/powerpoint/2010/main" val="3228151722"/>
       </p:ext>
     </p:extLst>
   </p:cSld>
@@ -4758,7 +4943,7 @@
             <a:pPr algn="ctr"/>
             <a:r>
               <a:rPr lang="fr-FR" dirty="0" smtClean="0"/>
-              <a:t>UML</a:t>
+              <a:t>CDCF</a:t>
             </a:r>
             <a:endParaRPr lang="fr-FR" dirty="0"/>
           </a:p>
@@ -4788,15 +4973,75 @@
         </p:blipFill>
         <p:spPr>
           <a:xfrm>
-            <a:off x="2342765" y="1825625"/>
-            <a:ext cx="7506470" cy="4351338"/>
-          </a:xfrm>
+            <a:off x="0" y="2497431"/>
+            <a:ext cx="4024476" cy="4351338"/>
+          </a:xfrm>
+        </p:spPr>
+      </p:pic>
+      <p:pic>
+        <p:nvPicPr>
+          <p:cNvPr id="5" name="Image 4"/>
+          <p:cNvPicPr>
+            <a:picLocks noChangeAspect="1"/>
+          </p:cNvPicPr>
+          <p:nvPr/>
+        </p:nvPicPr>
+        <p:blipFill>
+          <a:blip r:embed="rId3">
+            <a:extLst>
+              <a:ext uri="{28A0092B-C50C-407E-A947-70E740481C1C}">
+                <a14:useLocalDpi xmlns:a14="http://schemas.microsoft.com/office/drawing/2010/main" val="0"/>
+              </a:ext>
+            </a:extLst>
+          </a:blip>
+          <a:stretch>
+            <a:fillRect/>
+          </a:stretch>
+        </p:blipFill>
+        <p:spPr>
+          <a:xfrm>
+            <a:off x="3612592" y="1783415"/>
+            <a:ext cx="4582362" cy="5074585"/>
+          </a:xfrm>
+          <a:prstGeom prst="rect">
+            <a:avLst/>
+          </a:prstGeom>
+        </p:spPr>
+      </p:pic>
+      <p:pic>
+        <p:nvPicPr>
+          <p:cNvPr id="6" name="Image 5"/>
+          <p:cNvPicPr>
+            <a:picLocks noChangeAspect="1"/>
+          </p:cNvPicPr>
+          <p:nvPr/>
+        </p:nvPicPr>
+        <p:blipFill>
+          <a:blip r:embed="rId4">
+            <a:extLst>
+              <a:ext uri="{28A0092B-C50C-407E-A947-70E740481C1C}">
+                <a14:useLocalDpi xmlns:a14="http://schemas.microsoft.com/office/drawing/2010/main" val="0"/>
+              </a:ext>
+            </a:extLst>
+          </a:blip>
+          <a:stretch>
+            <a:fillRect/>
+          </a:stretch>
+        </p:blipFill>
+        <p:spPr>
+          <a:xfrm>
+            <a:off x="7739678" y="2421383"/>
+            <a:ext cx="4452322" cy="4503433"/>
+          </a:xfrm>
+          <a:prstGeom prst="rect">
+            <a:avLst/>
+          </a:prstGeom>
         </p:spPr>
       </p:pic>
     </p:spTree>
     <p:extLst>
       <p:ext uri="{BB962C8B-B14F-4D97-AF65-F5344CB8AC3E}">
-        <p14:creationId xmlns:p14="http://schemas.microsoft.com/office/powerpoint/2010/main" val="181555489"/>
+        <p14:creationId xmlns:p14="http://schemas.microsoft.com/office/powerpoint/2010/main" val="3428502794"/>
       </p:ext>
     </p:extLst>
   </p:cSld>
@@ -4878,15 +5123,15 @@
         </p:blipFill>
         <p:spPr>
           <a:xfrm>
-            <a:off x="1374335" y="1825625"/>
-            <a:ext cx="9443329" cy="4351338"/>
+            <a:off x="2342765" y="1825625"/>
+            <a:ext cx="7506470" cy="4351338"/>
           </a:xfrm>
         </p:spPr>
       </p:pic>
     </p:spTree>
     <p:extLst>
       <p:ext uri="{BB962C8B-B14F-4D97-AF65-F5344CB8AC3E}">
-        <p14:creationId xmlns:p14="http://schemas.microsoft.com/office/powerpoint/2010/main" val="143949090"/>
+        <p14:creationId xmlns:p14="http://schemas.microsoft.com/office/powerpoint/2010/main" val="181555489"/>
       </p:ext>
     </p:extLst>
   </p:cSld>
@@ -4968,21 +5213,28 @@
         </p:blipFill>
         <p:spPr>
           <a:xfrm>
-            <a:off x="1830135" y="1825625"/>
-            <a:ext cx="8531730" cy="4351338"/>
+            <a:off x="1374335" y="1825625"/>
+            <a:ext cx="9443329" cy="4351338"/>
           </a:xfrm>
         </p:spPr>
       </p:pic>
     </p:spTree>
     <p:extLst>
       <p:ext uri="{BB962C8B-B14F-4D97-AF65-F5344CB8AC3E}">
-        <p14:creationId xmlns:p14="http://schemas.microsoft.com/office/powerpoint/2010/main" val="1524988152"/>
+        <p14:creationId xmlns:p14="http://schemas.microsoft.com/office/powerpoint/2010/main" val="143949090"/>
       </p:ext>
     </p:extLst>
   </p:cSld>
   <p:clrMapOvr>
     <a:masterClrMapping/>
   </p:clrMapOvr>
+  <p:timing>
+    <p:tnLst>
+      <p:par>
+        <p:cTn id="1" dur="indefinite" restart="never" nodeType="tmRoot"/>
+      </p:par>
+    </p:tnLst>
+  </p:timing>
 </p:sld>
 </file>
 
@@ -5013,12 +5265,7 @@
             <p:ph type="title"/>
           </p:nvPr>
         </p:nvSpPr>
-        <p:spPr>
-          <a:xfrm>
-            <a:off x="888304" y="0"/>
-            <a:ext cx="10515600" cy="1325563"/>
-          </a:xfrm>
-        </p:spPr>
+        <p:spPr/>
         <p:txBody>
           <a:bodyPr/>
           <a:lstStyle/>
@@ -5026,11 +5273,7 @@
             <a:pPr algn="ctr"/>
             <a:r>
               <a:rPr lang="fr-FR" dirty="0" smtClean="0"/>
-              <a:t>Librairie </a:t>
-            </a:r>
-            <a:r>
-              <a:rPr lang="fr-FR" dirty="0" err="1" smtClean="0"/>
-              <a:t>mosquitto</a:t>
+              <a:t>UML</a:t>
             </a:r>
             <a:endParaRPr lang="fr-FR" dirty="0"/>
           </a:p>
@@ -5060,44 +5303,15 @@
         </p:blipFill>
         <p:spPr>
           <a:xfrm>
-            <a:off x="2149903" y="923751"/>
-            <a:ext cx="8267976" cy="4351338"/>
+            <a:off x="1830135" y="1825625"/>
+            <a:ext cx="8531730" cy="4351338"/>
           </a:xfrm>
         </p:spPr>
       </p:pic>
-      <p:sp>
-        <p:nvSpPr>
-          <p:cNvPr id="5" name="Rectangle 4"/>
-          <p:cNvSpPr/>
-          <p:nvPr/>
-        </p:nvSpPr>
-        <p:spPr>
-          <a:xfrm>
-            <a:off x="2693136" y="5921841"/>
-            <a:ext cx="7724743" cy="553998"/>
-          </a:xfrm>
-          <a:prstGeom prst="rect">
-            <a:avLst/>
-          </a:prstGeom>
-        </p:spPr>
-        <p:txBody>
-          <a:bodyPr wrap="none">
-            <a:spAutoFit/>
-          </a:bodyPr>
-          <a:lstStyle/>
-          <a:p>
-            <a:r>
-              <a:rPr lang="fr-FR" sz="3000" dirty="0" smtClean="0"/>
-              <a:t>https://mosquitto.org/man/libmosquitto-3.html</a:t>
-            </a:r>
-            <a:endParaRPr lang="fr-FR" sz="3000" dirty="0"/>
-          </a:p>
-        </p:txBody>
-      </p:sp>
     </p:spTree>
     <p:extLst>
       <p:ext uri="{BB962C8B-B14F-4D97-AF65-F5344CB8AC3E}">
-        <p14:creationId xmlns:p14="http://schemas.microsoft.com/office/powerpoint/2010/main" val="1339373179"/>
+        <p14:creationId xmlns:p14="http://schemas.microsoft.com/office/powerpoint/2010/main" val="1524988152"/>
       </p:ext>
     </p:extLst>
   </p:cSld>
@@ -5136,7 +5350,7 @@
         </p:nvSpPr>
         <p:spPr>
           <a:xfrm>
-            <a:off x="-1945958" y="2342367"/>
+            <a:off x="888304" y="0"/>
             <a:ext cx="10515600" cy="1325563"/>
           </a:xfrm>
         </p:spPr>
@@ -5147,7 +5361,11 @@
             <a:pPr algn="ctr"/>
             <a:r>
               <a:rPr lang="fr-FR" dirty="0" smtClean="0"/>
-              <a:t>Définition</a:t>
+              <a:t>Librairie </a:t>
+            </a:r>
+            <a:r>
+              <a:rPr lang="fr-FR" dirty="0" err="1" smtClean="0"/>
+              <a:t>mosquitto</a:t>
             </a:r>
             <a:endParaRPr lang="fr-FR" dirty="0"/>
           </a:p>
@@ -5177,15 +5395,44 @@
         </p:blipFill>
         <p:spPr>
           <a:xfrm>
-            <a:off x="5602813" y="148956"/>
-            <a:ext cx="5733242" cy="6578571"/>
+            <a:off x="2149903" y="923751"/>
+            <a:ext cx="8267976" cy="4351338"/>
           </a:xfrm>
         </p:spPr>
       </p:pic>
+      <p:sp>
+        <p:nvSpPr>
+          <p:cNvPr id="5" name="Rectangle 4"/>
+          <p:cNvSpPr/>
+          <p:nvPr/>
+        </p:nvSpPr>
+        <p:spPr>
+          <a:xfrm>
+            <a:off x="2693136" y="5921841"/>
+            <a:ext cx="7724743" cy="553998"/>
+          </a:xfrm>
+          <a:prstGeom prst="rect">
+            <a:avLst/>
+          </a:prstGeom>
+        </p:spPr>
+        <p:txBody>
+          <a:bodyPr wrap="none">
+            <a:spAutoFit/>
+          </a:bodyPr>
+          <a:lstStyle/>
+          <a:p>
+            <a:r>
+              <a:rPr lang="fr-FR" sz="3000" dirty="0" smtClean="0"/>
+              <a:t>https://mosquitto.org/man/libmosquitto-3.html</a:t>
+            </a:r>
+            <a:endParaRPr lang="fr-FR" sz="3000" dirty="0"/>
+          </a:p>
+        </p:txBody>
+      </p:sp>
     </p:spTree>
     <p:extLst>
       <p:ext uri="{BB962C8B-B14F-4D97-AF65-F5344CB8AC3E}">
-        <p14:creationId xmlns:p14="http://schemas.microsoft.com/office/powerpoint/2010/main" val="1772967012"/>
+        <p14:creationId xmlns:p14="http://schemas.microsoft.com/office/powerpoint/2010/main" val="1339373179"/>
       </p:ext>
     </p:extLst>
   </p:cSld>

--- a/Revue/Revue1.pptx
+++ b/Revue/Revue1.pptx
@@ -19,11 +19,11 @@
     <p:sldId id="271" r:id="rId13"/>
     <p:sldId id="270" r:id="rId14"/>
     <p:sldId id="272" r:id="rId15"/>
-    <p:sldId id="264" r:id="rId16"/>
-    <p:sldId id="265" r:id="rId17"/>
-    <p:sldId id="266" r:id="rId18"/>
-    <p:sldId id="275" r:id="rId19"/>
-    <p:sldId id="267" r:id="rId20"/>
+    <p:sldId id="267" r:id="rId16"/>
+    <p:sldId id="264" r:id="rId17"/>
+    <p:sldId id="265" r:id="rId18"/>
+    <p:sldId id="266" r:id="rId19"/>
+    <p:sldId id="275" r:id="rId20"/>
     <p:sldId id="268" r:id="rId21"/>
     <p:sldId id="257" r:id="rId22"/>
   </p:sldIdLst>
@@ -3092,7 +3092,6 @@
               <a:rPr lang="fr-FR" sz="3200" dirty="0" smtClean="0"/>
               <a:t>Code</a:t>
             </a:r>
-            <a:endParaRPr lang="fr-FR" sz="3200" dirty="0" smtClean="0"/>
           </a:p>
           <a:p>
             <a:pPr marL="457200" indent="-457200" algn="l">
@@ -3134,9 +3133,10 @@
               <a:buAutoNum type="arabicParenR"/>
             </a:pPr>
             <a:r>
-              <a:rPr lang="fr-FR" sz="3200" dirty="0" smtClean="0"/>
-              <a:t>Matérielle</a:t>
-            </a:r>
+              <a:rPr lang="fr-FR" sz="3200" smtClean="0"/>
+              <a:t>Matériel</a:t>
+            </a:r>
+            <a:endParaRPr lang="fr-FR" sz="3200" dirty="0" smtClean="0"/>
           </a:p>
           <a:p>
             <a:pPr marL="457200" indent="-457200">
@@ -3251,6 +3251,13 @@
   <p:clrMapOvr>
     <a:masterClrMapping/>
   </p:clrMapOvr>
+  <p:timing>
+    <p:tnLst>
+      <p:par>
+        <p:cTn id="1" dur="indefinite" restart="never" nodeType="tmRoot"/>
+      </p:par>
+    </p:tnLst>
+  </p:timing>
 </p:sld>
 </file>
 
@@ -3339,6 +3346,13 @@
   <p:clrMapOvr>
     <a:masterClrMapping/>
   </p:clrMapOvr>
+  <p:timing>
+    <p:tnLst>
+      <p:par>
+        <p:cTn id="1" dur="indefinite" restart="never" nodeType="tmRoot"/>
+      </p:par>
+    </p:tnLst>
+  </p:timing>
 </p:sld>
 </file>
 
@@ -3422,6 +3436,13 @@
   <p:clrMapOvr>
     <a:masterClrMapping/>
   </p:clrMapOvr>
+  <p:timing>
+    <p:tnLst>
+      <p:par>
+        <p:cTn id="1" dur="indefinite" restart="never" nodeType="tmRoot"/>
+      </p:par>
+    </p:tnLst>
+  </p:timing>
 </p:sld>
 </file>
 
@@ -3518,6 +3539,13 @@
   <p:clrMapOvr>
     <a:masterClrMapping/>
   </p:clrMapOvr>
+  <p:timing>
+    <p:tnLst>
+      <p:par>
+        <p:cTn id="1" dur="indefinite" restart="never" nodeType="tmRoot"/>
+      </p:par>
+    </p:tnLst>
+  </p:timing>
 </p:sld>
 </file>
 
@@ -3609,6 +3637,13 @@
   <p:clrMapOvr>
     <a:masterClrMapping/>
   </p:clrMapOvr>
+  <p:timing>
+    <p:tnLst>
+      <p:par>
+        <p:cTn id="1" dur="indefinite" restart="never" nodeType="tmRoot"/>
+      </p:par>
+    </p:tnLst>
+  </p:timing>
 </p:sld>
 </file>
 
@@ -3639,38 +3674,27 @@
             <p:ph type="title"/>
           </p:nvPr>
         </p:nvSpPr>
-        <p:spPr>
-          <a:xfrm>
-            <a:off x="1289137" y="5598779"/>
-            <a:ext cx="10515600" cy="1325563"/>
-          </a:xfrm>
-        </p:spPr>
-        <p:txBody>
-          <a:bodyPr>
-            <a:normAutofit fontScale="90000"/>
-          </a:bodyPr>
-          <a:lstStyle/>
-          <a:p>
-            <a:r>
-              <a:rPr lang="fr-FR" sz="3300" dirty="0" smtClean="0">
-                <a:hlinkClick r:id="rId2"/>
-              </a:rPr>
-              <a:t>https://docs.google.com/spreadsheets/d/1bGch9jD0pS3EXCHeaS35TFhPX8Tz4GUdL-PRUKADAC4/edit#gid=0</a:t>
+        <p:spPr/>
+        <p:txBody>
+          <a:bodyPr/>
+          <a:lstStyle/>
+          <a:p>
+            <a:pPr algn="ctr"/>
+            <a:r>
+              <a:rPr lang="fr-FR" dirty="0"/>
+              <a:t>R</a:t>
             </a:r>
             <a:r>
               <a:rPr lang="fr-FR" dirty="0" smtClean="0"/>
-              <a:t/>
-            </a:r>
-            <a:br>
-              <a:rPr lang="fr-FR" dirty="0" smtClean="0"/>
-            </a:br>
+              <a:t>ecette</a:t>
+            </a:r>
             <a:endParaRPr lang="fr-FR" dirty="0"/>
           </a:p>
         </p:txBody>
       </p:sp>
       <p:pic>
         <p:nvPicPr>
-          <p:cNvPr id="4" name="Espace réservé du contenu 3"/>
+          <p:cNvPr id="6" name="Espace réservé du contenu 5"/>
           <p:cNvPicPr>
             <a:picLocks noGrp="1" noChangeAspect="1"/>
           </p:cNvPicPr>
@@ -3679,7 +3703,7 @@
           </p:nvPr>
         </p:nvPicPr>
         <p:blipFill>
-          <a:blip r:embed="rId3">
+          <a:blip r:embed="rId2">
             <a:extLst>
               <a:ext uri="{28A0092B-C50C-407E-A947-70E740481C1C}">
                 <a14:useLocalDpi xmlns:a14="http://schemas.microsoft.com/office/drawing/2010/main" val="0"/>
@@ -3692,75 +3716,28 @@
         </p:blipFill>
         <p:spPr>
           <a:xfrm>
-            <a:off x="838200" y="1915293"/>
-            <a:ext cx="10515600" cy="3194971"/>
+            <a:off x="3257154" y="2829555"/>
+            <a:ext cx="5677692" cy="2343477"/>
           </a:xfrm>
         </p:spPr>
       </p:pic>
-      <p:sp>
-        <p:nvSpPr>
-          <p:cNvPr id="5" name="Titre 1"/>
-          <p:cNvSpPr txBox="1">
-            <a:spLocks/>
-          </p:cNvSpPr>
-          <p:nvPr/>
-        </p:nvSpPr>
-        <p:spPr>
-          <a:xfrm>
-            <a:off x="838200" y="309084"/>
-            <a:ext cx="10515600" cy="1325563"/>
-          </a:xfrm>
-          <a:prstGeom prst="rect">
-            <a:avLst/>
-          </a:prstGeom>
-        </p:spPr>
-        <p:txBody>
-          <a:bodyPr vert="horz" lIns="91440" tIns="45720" rIns="91440" bIns="45720" rtlCol="0" anchor="ctr">
-            <a:normAutofit fontScale="97500"/>
-          </a:bodyPr>
-          <a:lstStyle>
-            <a:lvl1pPr algn="l" defTabSz="914400" rtl="0" eaLnBrk="1" latinLnBrk="0" hangingPunct="1">
-              <a:lnSpc>
-                <a:spcPct val="90000"/>
-              </a:lnSpc>
-              <a:spcBef>
-                <a:spcPct val="0"/>
-              </a:spcBef>
-              <a:buNone/>
-              <a:defRPr sz="4400" kern="1200">
-                <a:solidFill>
-                  <a:schemeClr val="tx1"/>
-                </a:solidFill>
-                <a:latin typeface="+mj-lt"/>
-                <a:ea typeface="+mj-ea"/>
-                <a:cs typeface="+mj-cs"/>
-              </a:defRPr>
-            </a:lvl1pPr>
-          </a:lstStyle>
-          <a:p>
-            <a:pPr algn="ctr"/>
-            <a:r>
-              <a:rPr lang="fr-FR" dirty="0" smtClean="0"/>
-              <a:t>Gantt </a:t>
-            </a:r>
-            <a:r>
-              <a:rPr lang="fr-FR" dirty="0" smtClean="0"/>
-              <a:t>prévisionnelle</a:t>
-            </a:r>
-            <a:endParaRPr lang="fr-FR" dirty="0"/>
-          </a:p>
-        </p:txBody>
-      </p:sp>
     </p:spTree>
     <p:extLst>
       <p:ext uri="{BB962C8B-B14F-4D97-AF65-F5344CB8AC3E}">
-        <p14:creationId xmlns:p14="http://schemas.microsoft.com/office/powerpoint/2010/main" val="2866579409"/>
+        <p14:creationId xmlns:p14="http://schemas.microsoft.com/office/powerpoint/2010/main" val="438480761"/>
       </p:ext>
     </p:extLst>
   </p:cSld>
   <p:clrMapOvr>
     <a:masterClrMapping/>
   </p:clrMapOvr>
+  <p:timing>
+    <p:tnLst>
+      <p:par>
+        <p:cTn id="1" dur="indefinite" restart="never" nodeType="tmRoot"/>
+      </p:par>
+    </p:tnLst>
+  </p:timing>
 </p:sld>
 </file>
 
@@ -3793,7 +3770,7 @@
         </p:nvSpPr>
         <p:spPr>
           <a:xfrm>
-            <a:off x="1038617" y="5776369"/>
+            <a:off x="1289137" y="5598779"/>
             <a:ext cx="10515600" cy="1325563"/>
           </a:xfrm>
         </p:spPr>
@@ -3807,7 +3784,7 @@
               <a:rPr lang="fr-FR" sz="3300" dirty="0" smtClean="0">
                 <a:hlinkClick r:id="rId2"/>
               </a:rPr>
-              <a:t>https://docs.google.com/spreadsheets/d/1lt4YmUwx1gJwj4aCsGGBuElpJSO1FqrAVOwXuzqiIu0/edit#gid=0</a:t>
+              <a:t>https://docs.google.com/spreadsheets/d/1bGch9jD0pS3EXCHeaS35TFhPX8Tz4GUdL-PRUKADAC4/edit#gid=0</a:t>
             </a:r>
             <a:r>
               <a:rPr lang="fr-FR" dirty="0" smtClean="0"/>
@@ -3844,8 +3821,8 @@
         </p:blipFill>
         <p:spPr>
           <a:xfrm>
-            <a:off x="1895689" y="1249428"/>
-            <a:ext cx="8400621" cy="4351338"/>
+            <a:off x="838200" y="1915293"/>
+            <a:ext cx="10515600" cy="3194971"/>
           </a:xfrm>
         </p:spPr>
       </p:pic>
@@ -3859,7 +3836,7 @@
         </p:nvSpPr>
         <p:spPr>
           <a:xfrm>
-            <a:off x="925883" y="108667"/>
+            <a:off x="838200" y="309084"/>
             <a:ext cx="10515600" cy="1325563"/>
           </a:xfrm>
           <a:prstGeom prst="rect">
@@ -3893,7 +3870,7 @@
             <a:pPr algn="ctr"/>
             <a:r>
               <a:rPr lang="fr-FR" dirty="0" smtClean="0"/>
-              <a:t>Gantt réel</a:t>
+              <a:t>Gantt prévisionnelle</a:t>
             </a:r>
             <a:endParaRPr lang="fr-FR" dirty="0"/>
           </a:p>
@@ -3902,13 +3879,20 @@
     </p:spTree>
     <p:extLst>
       <p:ext uri="{BB962C8B-B14F-4D97-AF65-F5344CB8AC3E}">
-        <p14:creationId xmlns:p14="http://schemas.microsoft.com/office/powerpoint/2010/main" val="2011637474"/>
+        <p14:creationId xmlns:p14="http://schemas.microsoft.com/office/powerpoint/2010/main" val="2866579409"/>
       </p:ext>
     </p:extLst>
   </p:cSld>
   <p:clrMapOvr>
     <a:masterClrMapping/>
   </p:clrMapOvr>
+  <p:timing>
+    <p:tnLst>
+      <p:par>
+        <p:cTn id="1" dur="indefinite" restart="never" nodeType="tmRoot"/>
+      </p:par>
+    </p:tnLst>
+  </p:timing>
 </p:sld>
 </file>
 
@@ -3941,19 +3925,29 @@
         </p:nvSpPr>
         <p:spPr>
           <a:xfrm>
-            <a:off x="838197" y="0"/>
+            <a:off x="1038617" y="5776369"/>
             <a:ext cx="10515600" cy="1325563"/>
           </a:xfrm>
         </p:spPr>
         <p:txBody>
-          <a:bodyPr/>
-          <a:lstStyle/>
-          <a:p>
-            <a:pPr algn="ctr"/>
+          <a:bodyPr>
+            <a:normAutofit fontScale="90000"/>
+          </a:bodyPr>
+          <a:lstStyle/>
+          <a:p>
+            <a:r>
+              <a:rPr lang="fr-FR" sz="3300" dirty="0" smtClean="0">
+                <a:hlinkClick r:id="rId2"/>
+              </a:rPr>
+              <a:t>https://docs.google.com/spreadsheets/d/1lt4YmUwx1gJwj4aCsGGBuElpJSO1FqrAVOwXuzqiIu0/edit#gid=0</a:t>
+            </a:r>
             <a:r>
               <a:rPr lang="fr-FR" dirty="0" smtClean="0"/>
-              <a:t>CRA</a:t>
-            </a:r>
+              <a:t/>
+            </a:r>
+            <a:br>
+              <a:rPr lang="fr-FR" dirty="0" smtClean="0"/>
+            </a:br>
             <a:endParaRPr lang="fr-FR" dirty="0"/>
           </a:p>
         </p:txBody>
@@ -3969,7 +3963,7 @@
           </p:nvPr>
         </p:nvPicPr>
         <p:blipFill>
-          <a:blip r:embed="rId2">
+          <a:blip r:embed="rId3">
             <a:extLst>
               <a:ext uri="{28A0092B-C50C-407E-A947-70E740481C1C}">
                 <a14:useLocalDpi xmlns:a14="http://schemas.microsoft.com/office/drawing/2010/main" val="0"/>
@@ -3982,50 +3976,78 @@
         </p:blipFill>
         <p:spPr>
           <a:xfrm>
-            <a:off x="1907477" y="1036487"/>
-            <a:ext cx="8577457" cy="4351338"/>
+            <a:off x="1895689" y="1249428"/>
+            <a:ext cx="8400621" cy="4351338"/>
           </a:xfrm>
         </p:spPr>
       </p:pic>
       <p:sp>
         <p:nvSpPr>
-          <p:cNvPr id="5" name="Rectangle 4"/>
-          <p:cNvSpPr/>
+          <p:cNvPr id="5" name="Titre 1"/>
+          <p:cNvSpPr txBox="1">
+            <a:spLocks/>
+          </p:cNvSpPr>
           <p:nvPr/>
         </p:nvSpPr>
         <p:spPr>
           <a:xfrm>
-            <a:off x="943626" y="5548410"/>
-            <a:ext cx="10079278" cy="1015663"/>
+            <a:off x="925883" y="108667"/>
+            <a:ext cx="10515600" cy="1325563"/>
           </a:xfrm>
           <a:prstGeom prst="rect">
             <a:avLst/>
           </a:prstGeom>
         </p:spPr>
         <p:txBody>
-          <a:bodyPr wrap="square">
-            <a:spAutoFit/>
+          <a:bodyPr vert="horz" lIns="91440" tIns="45720" rIns="91440" bIns="45720" rtlCol="0" anchor="ctr">
+            <a:normAutofit fontScale="97500"/>
           </a:bodyPr>
-          <a:lstStyle/>
-          <a:p>
-            <a:r>
-              <a:rPr lang="fr-FR" sz="3000" dirty="0" smtClean="0"/>
-              <a:t>https://docs.google.com/spreadsheets/d/1SLjkoPLRi8pY4Hwgq830ND2TUudDaH5NzaRUK1WWbQk/edit#gid=0</a:t>
-            </a:r>
-            <a:endParaRPr lang="fr-FR" sz="3000" dirty="0"/>
+          <a:lstStyle>
+            <a:lvl1pPr algn="l" defTabSz="914400" rtl="0" eaLnBrk="1" latinLnBrk="0" hangingPunct="1">
+              <a:lnSpc>
+                <a:spcPct val="90000"/>
+              </a:lnSpc>
+              <a:spcBef>
+                <a:spcPct val="0"/>
+              </a:spcBef>
+              <a:buNone/>
+              <a:defRPr sz="4400" kern="1200">
+                <a:solidFill>
+                  <a:schemeClr val="tx1"/>
+                </a:solidFill>
+                <a:latin typeface="+mj-lt"/>
+                <a:ea typeface="+mj-ea"/>
+                <a:cs typeface="+mj-cs"/>
+              </a:defRPr>
+            </a:lvl1pPr>
+          </a:lstStyle>
+          <a:p>
+            <a:pPr algn="ctr"/>
+            <a:r>
+              <a:rPr lang="fr-FR" dirty="0" smtClean="0"/>
+              <a:t>Gantt réel</a:t>
+            </a:r>
+            <a:endParaRPr lang="fr-FR" dirty="0"/>
           </a:p>
         </p:txBody>
       </p:sp>
     </p:spTree>
     <p:extLst>
       <p:ext uri="{BB962C8B-B14F-4D97-AF65-F5344CB8AC3E}">
-        <p14:creationId xmlns:p14="http://schemas.microsoft.com/office/powerpoint/2010/main" val="3639467727"/>
+        <p14:creationId xmlns:p14="http://schemas.microsoft.com/office/powerpoint/2010/main" val="2011637474"/>
       </p:ext>
     </p:extLst>
   </p:cSld>
   <p:clrMapOvr>
     <a:masterClrMapping/>
   </p:clrMapOvr>
+  <p:timing>
+    <p:tnLst>
+      <p:par>
+        <p:cTn id="1" dur="indefinite" restart="never" nodeType="tmRoot"/>
+      </p:par>
+    </p:tnLst>
+  </p:timing>
 </p:sld>
 </file>
 
@@ -4058,7 +4080,7 @@
         </p:nvSpPr>
         <p:spPr>
           <a:xfrm>
-            <a:off x="948051" y="-324196"/>
+            <a:off x="838197" y="0"/>
             <a:ext cx="10515600" cy="1325563"/>
           </a:xfrm>
         </p:spPr>
@@ -4069,7 +4091,7 @@
             <a:pPr algn="ctr"/>
             <a:r>
               <a:rPr lang="fr-FR" dirty="0" smtClean="0"/>
-              <a:t>Cahier de bord</a:t>
+              <a:t>CRA</a:t>
             </a:r>
             <a:endParaRPr lang="fr-FR" dirty="0"/>
           </a:p>
@@ -4099,8 +4121,8 @@
         </p:blipFill>
         <p:spPr>
           <a:xfrm>
-            <a:off x="3872745" y="520528"/>
-            <a:ext cx="4446510" cy="5357156"/>
+            <a:off x="1907477" y="1036487"/>
+            <a:ext cx="8577457" cy="4351338"/>
           </a:xfrm>
         </p:spPr>
       </p:pic>
@@ -4112,36 +4134,44 @@
         </p:nvSpPr>
         <p:spPr>
           <a:xfrm>
-            <a:off x="3157851" y="6076077"/>
-            <a:ext cx="6096000" cy="646331"/>
+            <a:off x="943626" y="5548410"/>
+            <a:ext cx="10079278" cy="1015663"/>
           </a:xfrm>
           <a:prstGeom prst="rect">
             <a:avLst/>
           </a:prstGeom>
         </p:spPr>
         <p:txBody>
-          <a:bodyPr>
+          <a:bodyPr wrap="square">
             <a:spAutoFit/>
           </a:bodyPr>
           <a:lstStyle/>
           <a:p>
             <a:r>
-              <a:rPr lang="fr-FR" dirty="0"/>
-              <a:t>https://docs.google.com/document/d/1yb8ICADPck8xJuGNnGfKUmQQP96kw9k8fe0idGPh9sM/edit</a:t>
-            </a:r>
+              <a:rPr lang="fr-FR" sz="3000" dirty="0" smtClean="0"/>
+              <a:t>https://docs.google.com/spreadsheets/d/1SLjkoPLRi8pY4Hwgq830ND2TUudDaH5NzaRUK1WWbQk/edit#gid=0</a:t>
+            </a:r>
+            <a:endParaRPr lang="fr-FR" sz="3000" dirty="0"/>
           </a:p>
         </p:txBody>
       </p:sp>
     </p:spTree>
     <p:extLst>
       <p:ext uri="{BB962C8B-B14F-4D97-AF65-F5344CB8AC3E}">
-        <p14:creationId xmlns:p14="http://schemas.microsoft.com/office/powerpoint/2010/main" val="1918116813"/>
+        <p14:creationId xmlns:p14="http://schemas.microsoft.com/office/powerpoint/2010/main" val="3639467727"/>
       </p:ext>
     </p:extLst>
   </p:cSld>
   <p:clrMapOvr>
     <a:masterClrMapping/>
   </p:clrMapOvr>
+  <p:timing>
+    <p:tnLst>
+      <p:par>
+        <p:cTn id="1" dur="indefinite" restart="never" nodeType="tmRoot"/>
+      </p:par>
+    </p:tnLst>
+  </p:timing>
 </p:sld>
 </file>
 
@@ -4172,19 +4202,20 @@
             <p:ph type="title"/>
           </p:nvPr>
         </p:nvSpPr>
-        <p:spPr/>
+        <p:spPr>
+          <a:xfrm>
+            <a:off x="948051" y="-324196"/>
+            <a:ext cx="10515600" cy="1325563"/>
+          </a:xfrm>
+        </p:spPr>
         <p:txBody>
           <a:bodyPr/>
           <a:lstStyle/>
           <a:p>
             <a:pPr algn="ctr"/>
             <a:r>
-              <a:rPr lang="fr-FR" dirty="0"/>
-              <a:t>R</a:t>
-            </a:r>
-            <a:r>
               <a:rPr lang="fr-FR" dirty="0" smtClean="0"/>
-              <a:t>ecette</a:t>
+              <a:t>Cahier de bord</a:t>
             </a:r>
             <a:endParaRPr lang="fr-FR" dirty="0"/>
           </a:p>
@@ -4192,7 +4223,7 @@
       </p:sp>
       <p:pic>
         <p:nvPicPr>
-          <p:cNvPr id="6" name="Espace réservé du contenu 5"/>
+          <p:cNvPr id="4" name="Espace réservé du contenu 3"/>
           <p:cNvPicPr>
             <a:picLocks noGrp="1" noChangeAspect="1"/>
           </p:cNvPicPr>
@@ -4214,21 +4245,56 @@
         </p:blipFill>
         <p:spPr>
           <a:xfrm>
-            <a:off x="3257154" y="2829555"/>
-            <a:ext cx="5677692" cy="2343477"/>
+            <a:off x="3872745" y="520528"/>
+            <a:ext cx="4446510" cy="5357156"/>
           </a:xfrm>
         </p:spPr>
       </p:pic>
+      <p:sp>
+        <p:nvSpPr>
+          <p:cNvPr id="5" name="Rectangle 4"/>
+          <p:cNvSpPr/>
+          <p:nvPr/>
+        </p:nvSpPr>
+        <p:spPr>
+          <a:xfrm>
+            <a:off x="3157851" y="6076077"/>
+            <a:ext cx="6096000" cy="646331"/>
+          </a:xfrm>
+          <a:prstGeom prst="rect">
+            <a:avLst/>
+          </a:prstGeom>
+        </p:spPr>
+        <p:txBody>
+          <a:bodyPr>
+            <a:spAutoFit/>
+          </a:bodyPr>
+          <a:lstStyle/>
+          <a:p>
+            <a:r>
+              <a:rPr lang="fr-FR" dirty="0"/>
+              <a:t>https://docs.google.com/document/d/1yb8ICADPck8xJuGNnGfKUmQQP96kw9k8fe0idGPh9sM/edit</a:t>
+            </a:r>
+          </a:p>
+        </p:txBody>
+      </p:sp>
     </p:spTree>
     <p:extLst>
       <p:ext uri="{BB962C8B-B14F-4D97-AF65-F5344CB8AC3E}">
-        <p14:creationId xmlns:p14="http://schemas.microsoft.com/office/powerpoint/2010/main" val="438480761"/>
+        <p14:creationId xmlns:p14="http://schemas.microsoft.com/office/powerpoint/2010/main" val="1918116813"/>
       </p:ext>
     </p:extLst>
   </p:cSld>
   <p:clrMapOvr>
     <a:masterClrMapping/>
   </p:clrMapOvr>
+  <p:timing>
+    <p:tnLst>
+      <p:par>
+        <p:cTn id="1" dur="indefinite" restart="never" nodeType="tmRoot"/>
+      </p:par>
+    </p:tnLst>
+  </p:timing>
 </p:sld>
 </file>
 
@@ -4312,6 +4378,13 @@
   <p:clrMapOvr>
     <a:masterClrMapping/>
   </p:clrMapOvr>
+  <p:timing>
+    <p:tnLst>
+      <p:par>
+        <p:cTn id="1" dur="indefinite" restart="never" nodeType="tmRoot"/>
+      </p:par>
+    </p:tnLst>
+  </p:timing>
 </p:sld>
 </file>
 
@@ -4455,6 +4528,13 @@
   <p:clrMapOvr>
     <a:masterClrMapping/>
   </p:clrMapOvr>
+  <p:timing>
+    <p:tnLst>
+      <p:par>
+        <p:cTn id="1" dur="indefinite" restart="never" nodeType="tmRoot"/>
+      </p:par>
+    </p:tnLst>
+  </p:timing>
 </p:sld>
 </file>
 
@@ -4551,13 +4631,7 @@
               <a:rPr lang="fr-FR" sz="1800" dirty="0" smtClean="0">
                 <a:hlinkClick r:id="rId4"/>
               </a:rPr>
-              <a:t>https://</a:t>
-            </a:r>
-            <a:r>
-              <a:rPr lang="fr-FR" sz="1800" dirty="0" smtClean="0">
-                <a:hlinkClick r:id="rId4"/>
-              </a:rPr>
-              <a:t>docs.google.com/spreadsheets/d/1lt4YmUwx1gJwj4aCsGGBuElpJSO1FqrAVOwXuzqiIu0/edit#gid=0</a:t>
+              <a:t>https://docs.google.com/spreadsheets/d/1lt4YmUwx1gJwj4aCsGGBuElpJSO1FqrAVOwXuzqiIu0/edit#gid=0</a:t>
             </a:r>
             <a:endParaRPr lang="fr-FR" sz="1800" dirty="0" smtClean="0"/>
           </a:p>
@@ -4578,7 +4652,6 @@
               <a:rPr lang="fr-FR" sz="1800" dirty="0"/>
               <a:t>https://docs.google.com/document/d/1yb8ICADPck8xJuGNnGfKUmQQP96kw9k8fe0idGPh9sM/edit</a:t>
             </a:r>
-            <a:endParaRPr lang="fr-FR" sz="1800" dirty="0"/>
           </a:p>
         </p:txBody>
       </p:sp>
@@ -4592,6 +4665,13 @@
   <p:clrMapOvr>
     <a:masterClrMapping/>
   </p:clrMapOvr>
+  <p:timing>
+    <p:tnLst>
+      <p:par>
+        <p:cTn id="1" dur="indefinite" restart="never" nodeType="tmRoot"/>
+      </p:par>
+    </p:tnLst>
+  </p:timing>
 </p:sld>
 </file>
 
@@ -5318,6 +5398,13 @@
   <p:clrMapOvr>
     <a:masterClrMapping/>
   </p:clrMapOvr>
+  <p:timing>
+    <p:tnLst>
+      <p:par>
+        <p:cTn id="1" dur="indefinite" restart="never" nodeType="tmRoot"/>
+      </p:par>
+    </p:tnLst>
+  </p:timing>
 </p:sld>
 </file>
 
@@ -5439,6 +5526,13 @@
   <p:clrMapOvr>
     <a:masterClrMapping/>
   </p:clrMapOvr>
+  <p:timing>
+    <p:tnLst>
+      <p:par>
+        <p:cTn id="1" dur="indefinite" restart="never" nodeType="tmRoot"/>
+      </p:par>
+    </p:tnLst>
+  </p:timing>
 </p:sld>
 </file>
 
